--- a/communist/党员的责任与义务.pptx
+++ b/communist/党员的责任与义务.pptx
@@ -5,8 +5,11 @@
     <p:sldMasterId id="2147483648" r:id="rId1"/>
   </p:sldMasterIdLst>
   <p:notesMasterIdLst>
-    <p:notesMasterId r:id="rId15"/>
+    <p:notesMasterId r:id="rId14"/>
   </p:notesMasterIdLst>
+  <p:handoutMasterIdLst>
+    <p:handoutMasterId r:id="rId15"/>
+  </p:handoutMasterIdLst>
   <p:sldIdLst>
     <p:sldId id="256" r:id="rId2"/>
     <p:sldId id="300" r:id="rId3"/>
@@ -15,15 +18,14 @@
     <p:sldId id="299" r:id="rId6"/>
     <p:sldId id="308" r:id="rId7"/>
     <p:sldId id="309" r:id="rId8"/>
-    <p:sldId id="310" r:id="rId9"/>
-    <p:sldId id="304" r:id="rId10"/>
-    <p:sldId id="305" r:id="rId11"/>
-    <p:sldId id="301" r:id="rId12"/>
+    <p:sldId id="301" r:id="rId9"/>
+    <p:sldId id="312" r:id="rId10"/>
+    <p:sldId id="313" r:id="rId11"/>
+    <p:sldId id="306" r:id="rId12"/>
     <p:sldId id="303" r:id="rId13"/>
-    <p:sldId id="306" r:id="rId14"/>
   </p:sldIdLst>
   <p:sldSz cx="9144000" cy="6858000" type="screen4x3"/>
-  <p:notesSz cx="6858000" cy="9144000"/>
+  <p:notesSz cx="6797675" cy="9928225"/>
   <p:defaultTextStyle>
     <a:defPPr>
       <a:defRPr lang="zh-CN"/>
@@ -121,7 +123,7 @@
   </p:defaultTextStyle>
   <p:extLst>
     <p:ext uri="{EFAFB233-063F-42B5-8137-9DF3F51BA10A}">
-      <p15:sldGuideLst xmlns:p15="http://schemas.microsoft.com/office/powerpoint/2012/main" xmlns="">
+      <p15:sldGuideLst xmlns:p15="http://schemas.microsoft.com/office/powerpoint/2012/main">
         <p15:guide id="1" orient="horz" pos="2160">
           <p15:clr>
             <a:srgbClr val="A4A3A4"/>
@@ -136,6 +138,171 @@
     </p:ext>
   </p:extLst>
 </p:presentation>
+</file>
+
+<file path=ppt/handoutMasters/handoutMaster1.xml><?xml version="1.0" encoding="utf-8"?>
+<p:handoutMaster xmlns:a="http://schemas.openxmlformats.org/drawingml/2006/main" xmlns:r="http://schemas.openxmlformats.org/officeDocument/2006/relationships" xmlns:p="http://schemas.openxmlformats.org/presentationml/2006/main">
+  <p:cSld>
+    <p:bg>
+      <p:bgRef idx="1001">
+        <a:schemeClr val="bg1"/>
+      </p:bgRef>
+    </p:bg>
+    <p:spTree>
+      <p:nvGrpSpPr>
+        <p:cNvPr id="1" name=""/>
+        <p:cNvGrpSpPr/>
+        <p:nvPr/>
+      </p:nvGrpSpPr>
+      <p:grpSpPr>
+        <a:xfrm>
+          <a:off x="0" y="0"/>
+          <a:ext cx="0" cy="0"/>
+          <a:chOff x="0" y="0"/>
+          <a:chExt cx="0" cy="0"/>
+        </a:xfrm>
+      </p:grpSpPr>
+      <p:sp>
+        <p:nvSpPr>
+          <p:cNvPr id="2" name="页眉占位符 1"/>
+          <p:cNvSpPr>
+            <a:spLocks noGrp="1"/>
+          </p:cNvSpPr>
+          <p:nvPr>
+            <p:ph type="hdr" sz="quarter"/>
+          </p:nvPr>
+        </p:nvSpPr>
+        <p:spPr>
+          <a:xfrm>
+            <a:off x="0" y="0"/>
+            <a:ext cx="2945659" cy="498135"/>
+          </a:xfrm>
+          <a:prstGeom prst="rect">
+            <a:avLst/>
+          </a:prstGeom>
+        </p:spPr>
+        <p:txBody>
+          <a:bodyPr vert="horz" lIns="91440" tIns="45720" rIns="91440" bIns="45720" rtlCol="0"/>
+          <a:lstStyle>
+            <a:lvl1pPr algn="l">
+              <a:defRPr sz="1200"/>
+            </a:lvl1pPr>
+          </a:lstStyle>
+          <a:p>
+            <a:endParaRPr lang="zh-CN" altLang="en-US"/>
+          </a:p>
+        </p:txBody>
+      </p:sp>
+      <p:sp>
+        <p:nvSpPr>
+          <p:cNvPr id="3" name="日期占位符 2"/>
+          <p:cNvSpPr>
+            <a:spLocks noGrp="1"/>
+          </p:cNvSpPr>
+          <p:nvPr>
+            <p:ph type="dt" sz="quarter" idx="1"/>
+          </p:nvPr>
+        </p:nvSpPr>
+        <p:spPr>
+          <a:xfrm>
+            <a:off x="3850443" y="0"/>
+            <a:ext cx="2945659" cy="498135"/>
+          </a:xfrm>
+          <a:prstGeom prst="rect">
+            <a:avLst/>
+          </a:prstGeom>
+        </p:spPr>
+        <p:txBody>
+          <a:bodyPr vert="horz" lIns="91440" tIns="45720" rIns="91440" bIns="45720" rtlCol="0"/>
+          <a:lstStyle>
+            <a:lvl1pPr algn="r">
+              <a:defRPr sz="1200"/>
+            </a:lvl1pPr>
+          </a:lstStyle>
+          <a:p>
+            <a:fld id="{A676F3F5-1741-4198-A2D7-72962F39ED8E}" type="datetimeFigureOut">
+              <a:rPr lang="zh-CN" altLang="en-US" smtClean="0"/>
+              <a:t>2017/5/16</a:t>
+            </a:fld>
+            <a:endParaRPr lang="zh-CN" altLang="en-US"/>
+          </a:p>
+        </p:txBody>
+      </p:sp>
+      <p:sp>
+        <p:nvSpPr>
+          <p:cNvPr id="4" name="页脚占位符 3"/>
+          <p:cNvSpPr>
+            <a:spLocks noGrp="1"/>
+          </p:cNvSpPr>
+          <p:nvPr>
+            <p:ph type="ftr" sz="quarter" idx="2"/>
+          </p:nvPr>
+        </p:nvSpPr>
+        <p:spPr>
+          <a:xfrm>
+            <a:off x="0" y="9430091"/>
+            <a:ext cx="2945659" cy="498134"/>
+          </a:xfrm>
+          <a:prstGeom prst="rect">
+            <a:avLst/>
+          </a:prstGeom>
+        </p:spPr>
+        <p:txBody>
+          <a:bodyPr vert="horz" lIns="91440" tIns="45720" rIns="91440" bIns="45720" rtlCol="0" anchor="b"/>
+          <a:lstStyle>
+            <a:lvl1pPr algn="l">
+              <a:defRPr sz="1200"/>
+            </a:lvl1pPr>
+          </a:lstStyle>
+          <a:p>
+            <a:endParaRPr lang="zh-CN" altLang="en-US"/>
+          </a:p>
+        </p:txBody>
+      </p:sp>
+      <p:sp>
+        <p:nvSpPr>
+          <p:cNvPr id="5" name="灯片编号占位符 4"/>
+          <p:cNvSpPr>
+            <a:spLocks noGrp="1"/>
+          </p:cNvSpPr>
+          <p:nvPr>
+            <p:ph type="sldNum" sz="quarter" idx="3"/>
+          </p:nvPr>
+        </p:nvSpPr>
+        <p:spPr>
+          <a:xfrm>
+            <a:off x="3850443" y="9430091"/>
+            <a:ext cx="2945659" cy="498134"/>
+          </a:xfrm>
+          <a:prstGeom prst="rect">
+            <a:avLst/>
+          </a:prstGeom>
+        </p:spPr>
+        <p:txBody>
+          <a:bodyPr vert="horz" lIns="91440" tIns="45720" rIns="91440" bIns="45720" rtlCol="0" anchor="b"/>
+          <a:lstStyle>
+            <a:lvl1pPr algn="r">
+              <a:defRPr sz="1200"/>
+            </a:lvl1pPr>
+          </a:lstStyle>
+          <a:p>
+            <a:fld id="{CAC57FBA-CFF4-455D-B073-7F2DB8218EAA}" type="slidenum">
+              <a:rPr lang="zh-CN" altLang="en-US" smtClean="0"/>
+              <a:t>‹#›</a:t>
+            </a:fld>
+            <a:endParaRPr lang="zh-CN" altLang="en-US"/>
+          </a:p>
+        </p:txBody>
+      </p:sp>
+    </p:spTree>
+    <p:extLst>
+      <p:ext uri="{BB962C8B-B14F-4D97-AF65-F5344CB8AC3E}">
+        <p14:creationId xmlns:p14="http://schemas.microsoft.com/office/powerpoint/2010/main" val="64283659"/>
+      </p:ext>
+    </p:extLst>
+  </p:cSld>
+  <p:clrMap bg1="lt1" tx1="dk1" bg2="lt2" tx2="dk2" accent1="accent1" accent2="accent2" accent3="accent3" accent4="accent4" accent5="accent5" accent6="accent6" hlink="hlink" folHlink="folHlink"/>
+</p:handoutMaster>
 </file>
 
 <file path=ppt/notesMasters/notesMaster1.xml><?xml version="1.0" encoding="utf-8"?>
@@ -173,7 +340,7 @@
         <p:spPr>
           <a:xfrm>
             <a:off x="0" y="0"/>
-            <a:ext cx="2971800" cy="457200"/>
+            <a:ext cx="2945659" cy="496411"/>
           </a:xfrm>
           <a:prstGeom prst="rect">
             <a:avLst/>
@@ -203,8 +370,8 @@
         </p:nvSpPr>
         <p:spPr>
           <a:xfrm>
-            <a:off x="3884613" y="0"/>
-            <a:ext cx="2971800" cy="457200"/>
+            <a:off x="3850443" y="0"/>
+            <a:ext cx="2945659" cy="496411"/>
           </a:xfrm>
           <a:prstGeom prst="rect">
             <a:avLst/>
@@ -220,7 +387,7 @@
           <a:p>
             <a:fld id="{ECABE3CE-670C-4663-B258-FCFA4AF0D449}" type="datetimeFigureOut">
               <a:rPr lang="zh-CN" altLang="en-US" smtClean="0"/>
-              <a:t>2017/5/15</a:t>
+              <a:t>2017/5/16</a:t>
             </a:fld>
             <a:endParaRPr lang="zh-CN" altLang="en-US"/>
           </a:p>
@@ -238,8 +405,8 @@
         </p:nvSpPr>
         <p:spPr>
           <a:xfrm>
-            <a:off x="1143000" y="685800"/>
-            <a:ext cx="4572000" cy="3429000"/>
+            <a:off x="917575" y="744538"/>
+            <a:ext cx="4962525" cy="3722687"/>
           </a:xfrm>
           <a:prstGeom prst="rect">
             <a:avLst/>
@@ -271,8 +438,8 @@
         </p:nvSpPr>
         <p:spPr>
           <a:xfrm>
-            <a:off x="685800" y="4343400"/>
-            <a:ext cx="5486400" cy="4114800"/>
+            <a:off x="679768" y="4715907"/>
+            <a:ext cx="5438140" cy="4467701"/>
           </a:xfrm>
           <a:prstGeom prst="rect">
             <a:avLst/>
@@ -331,8 +498,8 @@
         </p:nvSpPr>
         <p:spPr>
           <a:xfrm>
-            <a:off x="0" y="8685213"/>
-            <a:ext cx="2971800" cy="457200"/>
+            <a:off x="0" y="9430091"/>
+            <a:ext cx="2945659" cy="496411"/>
           </a:xfrm>
           <a:prstGeom prst="rect">
             <a:avLst/>
@@ -362,8 +529,8 @@
         </p:nvSpPr>
         <p:spPr>
           <a:xfrm>
-            <a:off x="3884613" y="8685213"/>
-            <a:ext cx="2971800" cy="457200"/>
+            <a:off x="3850443" y="9430091"/>
+            <a:ext cx="2945659" cy="496411"/>
           </a:xfrm>
           <a:prstGeom prst="rect">
             <a:avLst/>
@@ -517,8 +684,8 @@
         </p:nvSpPr>
         <p:spPr>
           <a:xfrm>
-            <a:off x="1143000" y="685800"/>
-            <a:ext cx="4572000" cy="3429000"/>
+            <a:off x="917575" y="744538"/>
+            <a:ext cx="4962525" cy="3722687"/>
           </a:xfrm>
         </p:spPr>
       </p:sp>
@@ -618,8 +785,8 @@
         </p:nvSpPr>
         <p:spPr>
           <a:xfrm>
-            <a:off x="1143000" y="685800"/>
-            <a:ext cx="4572000" cy="3429000"/>
+            <a:off x="917575" y="744538"/>
+            <a:ext cx="4962525" cy="3722687"/>
           </a:xfrm>
         </p:spPr>
       </p:sp>
@@ -711,8 +878,8 @@
         </p:nvSpPr>
         <p:spPr>
           <a:xfrm>
-            <a:off x="1143000" y="685800"/>
-            <a:ext cx="4572000" cy="3429000"/>
+            <a:off x="917575" y="744538"/>
+            <a:ext cx="4962525" cy="3722687"/>
           </a:xfrm>
         </p:spPr>
       </p:sp>
@@ -895,8 +1062,8 @@
         </p:nvSpPr>
         <p:spPr>
           <a:xfrm>
-            <a:off x="1143000" y="685800"/>
-            <a:ext cx="4572000" cy="3429000"/>
+            <a:off x="917575" y="744538"/>
+            <a:ext cx="4962525" cy="3722687"/>
           </a:xfrm>
         </p:spPr>
       </p:sp>
@@ -916,92 +1083,20 @@
           <a:lstStyle/>
           <a:p>
             <a:r>
-              <a:rPr lang="en-US" altLang="zh-CN" sz="1200" dirty="0" smtClean="0">
-                <a:latin typeface="+mj-ea"/>
-              </a:rPr>
-              <a:t>《</a:t>
-            </a:r>
-            <a:r>
-              <a:rPr lang="zh-CN" altLang="en-US" sz="1200" dirty="0" smtClean="0">
-                <a:latin typeface="+mj-ea"/>
-              </a:rPr>
-              <a:t>党章</a:t>
-            </a:r>
-            <a:r>
-              <a:rPr lang="en-US" altLang="zh-CN" sz="1200" dirty="0" smtClean="0">
-                <a:latin typeface="+mj-ea"/>
-              </a:rPr>
-              <a:t>》</a:t>
-            </a:r>
-            <a:r>
-              <a:rPr lang="zh-CN" altLang="en-US" sz="1200" dirty="0" smtClean="0">
-                <a:latin typeface="+mj-ea"/>
-              </a:rPr>
-              <a:t>第四条对党员的权利作了如下具体规定：</a:t>
-            </a:r>
-            <a:br>
-              <a:rPr lang="zh-CN" altLang="en-US" sz="1200" dirty="0" smtClean="0">
-                <a:latin typeface="+mj-ea"/>
-              </a:rPr>
-            </a:br>
-            <a:r>
-              <a:rPr lang="zh-CN" altLang="en-US" sz="1200" dirty="0" smtClean="0">
-                <a:latin typeface="+mj-ea"/>
-              </a:rPr>
-              <a:t>行使表决权、选举权、有被选举权。</a:t>
-            </a:r>
-            <a:endParaRPr lang="en-US" altLang="zh-CN" sz="1200" dirty="0" smtClean="0">
-              <a:latin typeface="+mj-ea"/>
-            </a:endParaRPr>
-          </a:p>
-          <a:p>
-            <a:endParaRPr lang="en-US" altLang="zh-CN" sz="1200" b="0" i="0" kern="1200" dirty="0" smtClean="0">
-              <a:solidFill>
-                <a:schemeClr val="tx1"/>
-              </a:solidFill>
-              <a:effectLst/>
-              <a:latin typeface="+mn-lt"/>
-              <a:ea typeface="+mn-ea"/>
-              <a:cs typeface="+mn-cs"/>
-            </a:endParaRPr>
-          </a:p>
-          <a:p>
-            <a:r>
-              <a:rPr lang="zh-CN" altLang="en-US" sz="1200" b="0" i="0" kern="1200" dirty="0" smtClean="0">
-                <a:solidFill>
-                  <a:schemeClr val="tx1"/>
-                </a:solidFill>
-                <a:effectLst/>
-                <a:latin typeface="+mn-lt"/>
-                <a:ea typeface="+mn-ea"/>
-                <a:cs typeface="+mn-cs"/>
-              </a:rPr>
-              <a:t>违反组织纪律：</a:t>
-            </a:r>
-            <a:endParaRPr lang="en-US" altLang="zh-CN" sz="1200" b="0" i="0" kern="1200" dirty="0" smtClean="0">
-              <a:solidFill>
-                <a:schemeClr val="tx1"/>
-              </a:solidFill>
-              <a:effectLst/>
-              <a:latin typeface="+mn-lt"/>
-              <a:ea typeface="+mn-ea"/>
-              <a:cs typeface="+mn-cs"/>
-            </a:endParaRPr>
-          </a:p>
-          <a:p>
-            <a:r>
-              <a:rPr lang="zh-CN" altLang="en-US" sz="1200" b="0" i="0" kern="1200" dirty="0" smtClean="0">
-                <a:solidFill>
-                  <a:schemeClr val="tx1"/>
-                </a:solidFill>
-                <a:effectLst/>
-                <a:latin typeface="+mn-lt"/>
-                <a:ea typeface="+mn-ea"/>
-                <a:cs typeface="+mn-cs"/>
-              </a:rPr>
-              <a:t>第七十条　侵犯党员的表决权、选举权和被选举权，情节较重的，给予警告或者严重警告处分；情节严重的，给予撤销党内职务处分。</a:t>
-            </a:r>
-            <a:endParaRPr lang="zh-CN" altLang="en-US" dirty="0"/>
+              <a:rPr lang="zh-CN" altLang="en-US" sz="1200" b="1" dirty="0" smtClean="0"/>
+              <a:t>党员大会，每季度一次；支部委员会，每月一次；党小组会每月一到两次。</a:t>
+            </a:r>
+            <a:endParaRPr lang="en-US" altLang="zh-CN" sz="1200" b="1" dirty="0" smtClean="0"/>
+          </a:p>
+          <a:p>
+            <a:r>
+              <a:rPr lang="zh-CN" altLang="en-US" sz="1200" b="1" dirty="0" smtClean="0"/>
+              <a:t>支部内的活动形式：</a:t>
+            </a:r>
+            <a:r>
+              <a:rPr lang="en-US" altLang="zh-CN" sz="1200" b="1" dirty="0" smtClean="0"/>
+              <a:t>……</a:t>
+            </a:r>
           </a:p>
         </p:txBody>
       </p:sp>
@@ -1031,7 +1126,7 @@
     </p:spTree>
     <p:extLst>
       <p:ext uri="{BB962C8B-B14F-4D97-AF65-F5344CB8AC3E}">
-        <p14:creationId xmlns:p14="http://schemas.microsoft.com/office/powerpoint/2010/main" val="1341709524"/>
+        <p14:creationId xmlns:p14="http://schemas.microsoft.com/office/powerpoint/2010/main" val="191664"/>
       </p:ext>
     </p:extLst>
   </p:cSld>
@@ -1068,7 +1163,12 @@
             <p:ph type="sldImg"/>
           </p:nvPr>
         </p:nvSpPr>
-        <p:spPr/>
+        <p:spPr>
+          <a:xfrm>
+            <a:off x="917575" y="744538"/>
+            <a:ext cx="4962525" cy="3722687"/>
+          </a:xfrm>
+        </p:spPr>
       </p:sp>
       <p:sp>
         <p:nvSpPr>
@@ -1085,83 +1185,21 @@
           <a:bodyPr/>
           <a:lstStyle/>
           <a:p>
-            <a:pPr marL="0" marR="0" indent="0" algn="l" defTabSz="914400" rtl="0" eaLnBrk="1" fontAlgn="auto" latinLnBrk="0" hangingPunct="1">
-              <a:lnSpc>
-                <a:spcPct val="100000"/>
-              </a:lnSpc>
-              <a:spcBef>
-                <a:spcPts val="0"/>
-              </a:spcBef>
-              <a:spcAft>
-                <a:spcPts val="0"/>
-              </a:spcAft>
-              <a:buClrTx/>
-              <a:buSzTx/>
-              <a:buFontTx/>
-              <a:buNone/>
-              <a:tabLst/>
-              <a:defRPr/>
-            </a:pPr>
-            <a:r>
-              <a:rPr lang="zh-CN" altLang="en-US" sz="1200" dirty="0" smtClean="0"/>
-              <a:t>党总支的集体活动：每月一课，观看纪录片，</a:t>
-            </a:r>
-            <a:r>
-              <a:rPr lang="en-US" altLang="zh-CN" sz="1200" dirty="0" smtClean="0"/>
-              <a:t>《</a:t>
-            </a:r>
-            <a:r>
-              <a:rPr lang="zh-CN" altLang="en-US" sz="1200" dirty="0" smtClean="0"/>
-              <a:t>永远在路上</a:t>
-            </a:r>
-            <a:r>
-              <a:rPr lang="en-US" altLang="zh-CN" sz="1200" dirty="0" smtClean="0"/>
-              <a:t>》</a:t>
-            </a:r>
-            <a:r>
-              <a:rPr lang="zh-CN" altLang="en-US" sz="1200" dirty="0" smtClean="0"/>
-              <a:t>。集体参观一大展览馆？？交易所券所党员大会，</a:t>
-            </a:r>
-            <a:r>
-              <a:rPr lang="zh-CN" altLang="en-US" sz="1200" dirty="0" smtClean="0">
-                <a:solidFill>
-                  <a:srgbClr val="FF0000"/>
-                </a:solidFill>
-              </a:rPr>
-              <a:t>宋安平书记党课，姜岩书记讲话等？？</a:t>
-            </a:r>
-            <a:r>
-              <a:rPr lang="zh-CN" altLang="en-US" sz="1200" dirty="0" smtClean="0"/>
-              <a:t>。</a:t>
-            </a:r>
-            <a:endParaRPr lang="en-US" altLang="zh-CN" sz="1200" dirty="0" smtClean="0"/>
-          </a:p>
-          <a:p>
-            <a:pPr marL="0" marR="0" indent="0" algn="l" defTabSz="914400" rtl="0" eaLnBrk="1" fontAlgn="auto" latinLnBrk="0" hangingPunct="1">
-              <a:lnSpc>
-                <a:spcPct val="100000"/>
-              </a:lnSpc>
-              <a:spcBef>
-                <a:spcPts val="0"/>
-              </a:spcBef>
-              <a:spcAft>
-                <a:spcPts val="0"/>
-              </a:spcAft>
-              <a:buClrTx/>
-              <a:buSzTx/>
-              <a:buFontTx/>
-              <a:buNone/>
-              <a:tabLst/>
-              <a:defRPr/>
-            </a:pPr>
-            <a:r>
-              <a:rPr lang="zh-CN" altLang="en-US" sz="1200" dirty="0" smtClean="0"/>
-              <a:t>党章规定的四个服从的原则是：个人服从组织，下级服从上级，少数服从多数，全党服从中央。</a:t>
-            </a:r>
-            <a:endParaRPr lang="zh-CN" altLang="en-US" sz="800" b="1" dirty="0" smtClean="0"/>
-          </a:p>
-          <a:p>
-            <a:endParaRPr lang="zh-CN" altLang="en-US" dirty="0"/>
+            <a:r>
+              <a:rPr lang="zh-CN" altLang="en-US" sz="1200" b="1" dirty="0" smtClean="0"/>
+              <a:t>党员大会，每季度一次；支部委员会，每月一次；党小组会每月一到两次。</a:t>
+            </a:r>
+            <a:endParaRPr lang="en-US" altLang="zh-CN" sz="1200" b="1" dirty="0" smtClean="0"/>
+          </a:p>
+          <a:p>
+            <a:r>
+              <a:rPr lang="zh-CN" altLang="en-US" sz="1200" b="1" dirty="0" smtClean="0"/>
+              <a:t>支部内的活动形式：</a:t>
+            </a:r>
+            <a:r>
+              <a:rPr lang="en-US" altLang="zh-CN" sz="1200" b="1" dirty="0" smtClean="0"/>
+              <a:t>……</a:t>
+            </a:r>
           </a:p>
         </p:txBody>
       </p:sp>
@@ -1191,7 +1229,7 @@
     </p:spTree>
     <p:extLst>
       <p:ext uri="{BB962C8B-B14F-4D97-AF65-F5344CB8AC3E}">
-        <p14:creationId xmlns:p14="http://schemas.microsoft.com/office/powerpoint/2010/main" val="2639606661"/>
+        <p14:creationId xmlns:p14="http://schemas.microsoft.com/office/powerpoint/2010/main" val="2892182557"/>
       </p:ext>
     </p:extLst>
   </p:cSld>
@@ -1230,8 +1268,8 @@
         </p:nvSpPr>
         <p:spPr>
           <a:xfrm>
-            <a:off x="1143000" y="685800"/>
-            <a:ext cx="4572000" cy="3429000"/>
+            <a:off x="917575" y="744538"/>
+            <a:ext cx="4962525" cy="3722687"/>
           </a:xfrm>
         </p:spPr>
       </p:sp>
@@ -1250,220 +1288,21 @@
           <a:bodyPr/>
           <a:lstStyle/>
           <a:p>
-            <a:pPr marL="0" marR="0" indent="0" algn="l" defTabSz="914400" rtl="0" eaLnBrk="1" fontAlgn="auto" latinLnBrk="0" hangingPunct="1">
-              <a:lnSpc>
-                <a:spcPct val="100000"/>
-              </a:lnSpc>
-              <a:spcBef>
-                <a:spcPts val="0"/>
-              </a:spcBef>
-              <a:spcAft>
-                <a:spcPts val="0"/>
-              </a:spcAft>
-              <a:buClrTx/>
-              <a:buSzTx/>
-              <a:buFontTx/>
-              <a:buNone/>
-              <a:tabLst/>
-              <a:defRPr/>
-            </a:pPr>
-            <a:r>
-              <a:rPr lang="zh-CN" altLang="en-US" sz="1200" b="0" i="0" kern="1200" dirty="0" smtClean="0">
-                <a:solidFill>
-                  <a:schemeClr val="tx1"/>
-                </a:solidFill>
-                <a:effectLst/>
-                <a:latin typeface="+mn-lt"/>
-                <a:ea typeface="+mn-ea"/>
-                <a:cs typeface="+mn-cs"/>
-              </a:rPr>
-              <a:t>“理论联系实际、密切联系群众、批评与自我批评”是中国共产党的三大优良作风。</a:t>
-            </a:r>
-            <a:endParaRPr lang="en-US" altLang="zh-CN" sz="1200" b="0" i="0" kern="1200" dirty="0" smtClean="0">
-              <a:solidFill>
-                <a:schemeClr val="tx1"/>
-              </a:solidFill>
-              <a:effectLst/>
-              <a:latin typeface="+mn-lt"/>
-              <a:ea typeface="+mn-ea"/>
-              <a:cs typeface="+mn-cs"/>
-            </a:endParaRPr>
-          </a:p>
-          <a:p>
-            <a:pPr marL="0" marR="0" indent="0" algn="l" defTabSz="914400" rtl="0" eaLnBrk="1" fontAlgn="auto" latinLnBrk="0" hangingPunct="1">
-              <a:lnSpc>
-                <a:spcPct val="100000"/>
-              </a:lnSpc>
-              <a:spcBef>
-                <a:spcPts val="0"/>
-              </a:spcBef>
-              <a:spcAft>
-                <a:spcPts val="0"/>
-              </a:spcAft>
-              <a:buClrTx/>
-              <a:buSzTx/>
-              <a:buFontTx/>
-              <a:buNone/>
-              <a:tabLst/>
-              <a:defRPr/>
-            </a:pPr>
-            <a:r>
-              <a:rPr lang="zh-CN" altLang="en-US" sz="1200" b="0" i="0" kern="1200" dirty="0" smtClean="0">
-                <a:solidFill>
-                  <a:schemeClr val="tx1"/>
-                </a:solidFill>
-                <a:effectLst/>
-                <a:latin typeface="+mn-lt"/>
-                <a:ea typeface="+mn-ea"/>
-                <a:cs typeface="+mn-cs"/>
-              </a:rPr>
-              <a:t>每年的民主评议是对党员工作，履行义务，行使权力的考评过程。</a:t>
-            </a:r>
-            <a:endParaRPr lang="en-US" altLang="zh-CN" sz="1200" b="0" i="0" kern="1200" dirty="0" smtClean="0">
-              <a:solidFill>
-                <a:schemeClr val="tx1"/>
-              </a:solidFill>
-              <a:effectLst/>
-              <a:latin typeface="+mn-lt"/>
-              <a:ea typeface="+mn-ea"/>
-              <a:cs typeface="+mn-cs"/>
-            </a:endParaRPr>
-          </a:p>
-          <a:p>
-            <a:pPr marL="0" marR="0" indent="0" algn="l" defTabSz="914400" rtl="0" eaLnBrk="1" fontAlgn="auto" latinLnBrk="0" hangingPunct="1">
-              <a:lnSpc>
-                <a:spcPct val="100000"/>
-              </a:lnSpc>
-              <a:spcBef>
-                <a:spcPts val="0"/>
-              </a:spcBef>
-              <a:spcAft>
-                <a:spcPts val="0"/>
-              </a:spcAft>
-              <a:buClrTx/>
-              <a:buSzTx/>
-              <a:buFontTx/>
-              <a:buNone/>
-              <a:tabLst/>
-              <a:defRPr/>
-            </a:pPr>
-            <a:r>
-              <a:rPr lang="zh-CN" altLang="en-US" sz="1200" b="0" i="0" kern="1200" dirty="0" smtClean="0">
-                <a:solidFill>
-                  <a:schemeClr val="tx1"/>
-                </a:solidFill>
-                <a:effectLst/>
-                <a:latin typeface="+mn-lt"/>
-                <a:ea typeface="+mn-ea"/>
-                <a:cs typeface="+mn-cs"/>
-              </a:rPr>
-              <a:t>根据</a:t>
-            </a:r>
-            <a:r>
-              <a:rPr lang="en-US" altLang="zh-CN" sz="1200" b="0" i="0" kern="1200" dirty="0" smtClean="0">
-                <a:solidFill>
-                  <a:schemeClr val="tx1"/>
-                </a:solidFill>
-                <a:effectLst/>
-                <a:latin typeface="+mn-lt"/>
-                <a:ea typeface="+mn-ea"/>
-                <a:cs typeface="+mn-cs"/>
-              </a:rPr>
-              <a:t>《</a:t>
-            </a:r>
-            <a:r>
-              <a:rPr lang="zh-CN" altLang="en-US" sz="1200" b="0" i="0" kern="1200" dirty="0" smtClean="0">
-                <a:solidFill>
-                  <a:schemeClr val="tx1"/>
-                </a:solidFill>
-                <a:effectLst/>
-                <a:latin typeface="+mn-lt"/>
-                <a:ea typeface="+mn-ea"/>
-                <a:cs typeface="+mn-cs"/>
-              </a:rPr>
-              <a:t>党章</a:t>
-            </a:r>
-            <a:r>
-              <a:rPr lang="en-US" altLang="zh-CN" sz="1200" b="0" i="0" kern="1200" dirty="0" smtClean="0">
-                <a:solidFill>
-                  <a:schemeClr val="tx1"/>
-                </a:solidFill>
-                <a:effectLst/>
-                <a:latin typeface="+mn-lt"/>
-                <a:ea typeface="+mn-ea"/>
-                <a:cs typeface="+mn-cs"/>
-              </a:rPr>
-              <a:t>》</a:t>
-            </a:r>
-            <a:r>
-              <a:rPr lang="zh-CN" altLang="en-US" sz="1200" b="0" i="0" kern="1200" dirty="0" smtClean="0">
-                <a:solidFill>
-                  <a:schemeClr val="tx1"/>
-                </a:solidFill>
-                <a:effectLst/>
-                <a:latin typeface="+mn-lt"/>
-                <a:ea typeface="+mn-ea"/>
-                <a:cs typeface="+mn-cs"/>
-              </a:rPr>
-              <a:t>规定：党员如果没有正当理由，连续</a:t>
-            </a:r>
-            <a:r>
-              <a:rPr lang="en-US" altLang="zh-CN" sz="1200" b="0" i="0" kern="1200" dirty="0" smtClean="0">
-                <a:solidFill>
-                  <a:schemeClr val="tx1"/>
-                </a:solidFill>
-                <a:effectLst/>
-                <a:latin typeface="+mn-lt"/>
-                <a:ea typeface="+mn-ea"/>
-                <a:cs typeface="+mn-cs"/>
-              </a:rPr>
-              <a:t>6</a:t>
-            </a:r>
-            <a:r>
-              <a:rPr lang="zh-CN" altLang="en-US" sz="1200" b="0" i="0" kern="1200" dirty="0" smtClean="0">
-                <a:solidFill>
-                  <a:schemeClr val="tx1"/>
-                </a:solidFill>
-                <a:effectLst/>
-                <a:latin typeface="+mn-lt"/>
-                <a:ea typeface="+mn-ea"/>
-                <a:cs typeface="+mn-cs"/>
-              </a:rPr>
-              <a:t>个月不参加党的组织生活，或不交纳党费，或不做党所分配的工作，就被认为是自行脱党。支部大会应当决定把这样的党员除名，并报上级党组织批准。</a:t>
-            </a:r>
-            <a:endParaRPr lang="zh-CN" altLang="en-US" dirty="0" smtClean="0"/>
-          </a:p>
-          <a:p>
-            <a:pPr marL="0" marR="0" indent="0" algn="l" defTabSz="914400" rtl="0" eaLnBrk="1" fontAlgn="auto" latinLnBrk="0" hangingPunct="1">
-              <a:lnSpc>
-                <a:spcPct val="100000"/>
-              </a:lnSpc>
-              <a:spcBef>
-                <a:spcPts val="0"/>
-              </a:spcBef>
-              <a:spcAft>
-                <a:spcPts val="0"/>
-              </a:spcAft>
-              <a:buClrTx/>
-              <a:buSzTx/>
-              <a:buFontTx/>
-              <a:buNone/>
-              <a:tabLst/>
-              <a:defRPr/>
-            </a:pPr>
             <a:r>
               <a:rPr lang="zh-CN" altLang="en-US" sz="1200" b="1" dirty="0" smtClean="0"/>
-              <a:t>对于民主评议是否满足合格党员的基本要求：出勤率不低于？（</a:t>
+              <a:t>党员大会，每季度一次；支部委员会，每月一次；党小组会每月一到两次。</a:t>
+            </a:r>
+            <a:endParaRPr lang="en-US" altLang="zh-CN" sz="1200" b="1" dirty="0" smtClean="0"/>
+          </a:p>
+          <a:p>
+            <a:r>
+              <a:rPr lang="zh-CN" altLang="en-US" sz="1200" b="1" dirty="0" smtClean="0"/>
+              <a:t>支部内的活动形式：</a:t>
             </a:r>
             <a:r>
               <a:rPr lang="en-US" altLang="zh-CN" sz="1200" b="1" dirty="0" smtClean="0"/>
-              <a:t>30</a:t>
-            </a:r>
-            <a:r>
-              <a:rPr lang="zh-CN" altLang="en-US" sz="1200" b="1" dirty="0" smtClean="0"/>
-              <a:t>是不是太低了）</a:t>
-            </a:r>
-            <a:endParaRPr lang="zh-CN" altLang="en-US" dirty="0"/>
+              <a:t>……</a:t>
+            </a:r>
           </a:p>
         </p:txBody>
       </p:sp>
@@ -1493,110 +1332,7 @@
     </p:spTree>
     <p:extLst>
       <p:ext uri="{BB962C8B-B14F-4D97-AF65-F5344CB8AC3E}">
-        <p14:creationId xmlns:p14="http://schemas.microsoft.com/office/powerpoint/2010/main" val="2522903859"/>
-      </p:ext>
-    </p:extLst>
-  </p:cSld>
-  <p:clrMapOvr>
-    <a:masterClrMapping/>
-  </p:clrMapOvr>
-</p:notes>
-</file>
-
-<file path=ppt/notesSlides/notesSlide8.xml><?xml version="1.0" encoding="utf-8"?>
-<p:notes xmlns:a="http://schemas.openxmlformats.org/drawingml/2006/main" xmlns:r="http://schemas.openxmlformats.org/officeDocument/2006/relationships" xmlns:p="http://schemas.openxmlformats.org/presentationml/2006/main">
-  <p:cSld>
-    <p:spTree>
-      <p:nvGrpSpPr>
-        <p:cNvPr id="1" name=""/>
-        <p:cNvGrpSpPr/>
-        <p:nvPr/>
-      </p:nvGrpSpPr>
-      <p:grpSpPr>
-        <a:xfrm>
-          <a:off x="0" y="0"/>
-          <a:ext cx="0" cy="0"/>
-          <a:chOff x="0" y="0"/>
-          <a:chExt cx="0" cy="0"/>
-        </a:xfrm>
-      </p:grpSpPr>
-      <p:sp>
-        <p:nvSpPr>
-          <p:cNvPr id="2" name="幻灯片图像占位符 1"/>
-          <p:cNvSpPr>
-            <a:spLocks noGrp="1" noRot="1" noChangeAspect="1"/>
-          </p:cNvSpPr>
-          <p:nvPr>
-            <p:ph type="sldImg"/>
-          </p:nvPr>
-        </p:nvSpPr>
-        <p:spPr>
-          <a:xfrm>
-            <a:off x="1143000" y="685800"/>
-            <a:ext cx="4572000" cy="3429000"/>
-          </a:xfrm>
-        </p:spPr>
-      </p:sp>
-      <p:sp>
-        <p:nvSpPr>
-          <p:cNvPr id="3" name="备注占位符 2"/>
-          <p:cNvSpPr>
-            <a:spLocks noGrp="1"/>
-          </p:cNvSpPr>
-          <p:nvPr>
-            <p:ph type="body" idx="1"/>
-          </p:nvPr>
-        </p:nvSpPr>
-        <p:spPr/>
-        <p:txBody>
-          <a:bodyPr/>
-          <a:lstStyle/>
-          <a:p>
-            <a:r>
-              <a:rPr lang="zh-CN" altLang="en-US" sz="1200" b="1" dirty="0" smtClean="0"/>
-              <a:t>党员大会，每季度一次；支部委员会，每月一次；党小组会每月一到两次。</a:t>
-            </a:r>
-            <a:endParaRPr lang="en-US" altLang="zh-CN" sz="1200" b="1" dirty="0" smtClean="0"/>
-          </a:p>
-          <a:p>
-            <a:r>
-              <a:rPr lang="zh-CN" altLang="en-US" sz="1200" b="1" dirty="0" smtClean="0"/>
-              <a:t>支部内的活动形式：</a:t>
-            </a:r>
-            <a:r>
-              <a:rPr lang="en-US" altLang="zh-CN" sz="1200" b="1" dirty="0" smtClean="0"/>
-              <a:t>……</a:t>
-            </a:r>
-          </a:p>
-        </p:txBody>
-      </p:sp>
-      <p:sp>
-        <p:nvSpPr>
-          <p:cNvPr id="4" name="灯片编号占位符 3"/>
-          <p:cNvSpPr>
-            <a:spLocks noGrp="1"/>
-          </p:cNvSpPr>
-          <p:nvPr>
-            <p:ph type="sldNum" sz="quarter" idx="10"/>
-          </p:nvPr>
-        </p:nvSpPr>
-        <p:spPr/>
-        <p:txBody>
-          <a:bodyPr/>
-          <a:lstStyle/>
-          <a:p>
-            <a:fld id="{FF410ACE-3E94-4128-967B-0D35AC11965B}" type="slidenum">
-              <a:rPr lang="zh-CN" altLang="en-US" smtClean="0"/>
-              <a:t>11</a:t>
-            </a:fld>
-            <a:endParaRPr lang="zh-CN" altLang="en-US"/>
-          </a:p>
-        </p:txBody>
-      </p:sp>
-    </p:spTree>
-    <p:extLst>
-      <p:ext uri="{BB962C8B-B14F-4D97-AF65-F5344CB8AC3E}">
-        <p14:creationId xmlns:p14="http://schemas.microsoft.com/office/powerpoint/2010/main" val="191664"/>
+        <p14:creationId xmlns:p14="http://schemas.microsoft.com/office/powerpoint/2010/main" val="408093753"/>
       </p:ext>
     </p:extLst>
   </p:cSld>
@@ -1973,7 +1709,7 @@
           <a:p>
             <a:fld id="{D6D7EF5F-3403-4D3D-BAE6-43BF63893795}" type="datetimeFigureOut">
               <a:rPr lang="zh-CN" altLang="en-US" smtClean="0"/>
-              <a:t>2017/5/15</a:t>
+              <a:t>2017/5/16</a:t>
             </a:fld>
             <a:endParaRPr lang="zh-CN" altLang="en-US"/>
           </a:p>
@@ -2153,7 +1889,7 @@
           <a:p>
             <a:fld id="{D6D7EF5F-3403-4D3D-BAE6-43BF63893795}" type="datetimeFigureOut">
               <a:rPr lang="zh-CN" altLang="en-US" smtClean="0"/>
-              <a:t>2017/5/15</a:t>
+              <a:t>2017/5/16</a:t>
             </a:fld>
             <a:endParaRPr lang="zh-CN" altLang="en-US"/>
           </a:p>
@@ -2323,7 +2059,7 @@
           <a:p>
             <a:fld id="{D6D7EF5F-3403-4D3D-BAE6-43BF63893795}" type="datetimeFigureOut">
               <a:rPr lang="zh-CN" altLang="en-US" smtClean="0"/>
-              <a:t>2017/5/15</a:t>
+              <a:t>2017/5/16</a:t>
             </a:fld>
             <a:endParaRPr lang="zh-CN" altLang="en-US"/>
           </a:p>
@@ -2569,7 +2305,7 @@
           <a:p>
             <a:fld id="{D6D7EF5F-3403-4D3D-BAE6-43BF63893795}" type="datetimeFigureOut">
               <a:rPr lang="zh-CN" altLang="en-US" smtClean="0"/>
-              <a:t>2017/5/15</a:t>
+              <a:t>2017/5/16</a:t>
             </a:fld>
             <a:endParaRPr lang="zh-CN" altLang="en-US"/>
           </a:p>
@@ -2857,7 +2593,7 @@
           <a:p>
             <a:fld id="{D6D7EF5F-3403-4D3D-BAE6-43BF63893795}" type="datetimeFigureOut">
               <a:rPr lang="zh-CN" altLang="en-US" smtClean="0"/>
-              <a:t>2017/5/15</a:t>
+              <a:t>2017/5/16</a:t>
             </a:fld>
             <a:endParaRPr lang="zh-CN" altLang="en-US"/>
           </a:p>
@@ -3279,7 +3015,7 @@
           <a:p>
             <a:fld id="{D6D7EF5F-3403-4D3D-BAE6-43BF63893795}" type="datetimeFigureOut">
               <a:rPr lang="zh-CN" altLang="en-US" smtClean="0"/>
-              <a:t>2017/5/15</a:t>
+              <a:t>2017/5/16</a:t>
             </a:fld>
             <a:endParaRPr lang="zh-CN" altLang="en-US"/>
           </a:p>
@@ -3397,7 +3133,7 @@
           <a:p>
             <a:fld id="{D6D7EF5F-3403-4D3D-BAE6-43BF63893795}" type="datetimeFigureOut">
               <a:rPr lang="zh-CN" altLang="en-US" smtClean="0"/>
-              <a:t>2017/5/15</a:t>
+              <a:t>2017/5/16</a:t>
             </a:fld>
             <a:endParaRPr lang="zh-CN" altLang="en-US"/>
           </a:p>
@@ -3492,7 +3228,7 @@
           <a:p>
             <a:fld id="{D6D7EF5F-3403-4D3D-BAE6-43BF63893795}" type="datetimeFigureOut">
               <a:rPr lang="zh-CN" altLang="en-US" smtClean="0"/>
-              <a:t>2017/5/15</a:t>
+              <a:t>2017/5/16</a:t>
             </a:fld>
             <a:endParaRPr lang="zh-CN" altLang="en-US"/>
           </a:p>
@@ -3769,7 +3505,7 @@
           <a:p>
             <a:fld id="{D6D7EF5F-3403-4D3D-BAE6-43BF63893795}" type="datetimeFigureOut">
               <a:rPr lang="zh-CN" altLang="en-US" smtClean="0"/>
-              <a:t>2017/5/15</a:t>
+              <a:t>2017/5/16</a:t>
             </a:fld>
             <a:endParaRPr lang="zh-CN" altLang="en-US"/>
           </a:p>
@@ -4022,7 +3758,7 @@
           <a:p>
             <a:fld id="{D6D7EF5F-3403-4D3D-BAE6-43BF63893795}" type="datetimeFigureOut">
               <a:rPr lang="zh-CN" altLang="en-US" smtClean="0"/>
-              <a:t>2017/5/15</a:t>
+              <a:t>2017/5/16</a:t>
             </a:fld>
             <a:endParaRPr lang="zh-CN" altLang="en-US"/>
           </a:p>
@@ -4235,7 +3971,7 @@
           <a:p>
             <a:fld id="{D6D7EF5F-3403-4D3D-BAE6-43BF63893795}" type="datetimeFigureOut">
               <a:rPr lang="zh-CN" altLang="en-US" smtClean="0"/>
-              <a:t>2017/5/15</a:t>
+              <a:t>2017/5/16</a:t>
             </a:fld>
             <a:endParaRPr lang="zh-CN" altLang="en-US"/>
           </a:p>
@@ -4720,40 +4456,6 @@
       </p:grpSpPr>
       <p:sp>
         <p:nvSpPr>
-          <p:cNvPr id="2" name="标题 1"/>
-          <p:cNvSpPr>
-            <a:spLocks noGrp="1"/>
-          </p:cNvSpPr>
-          <p:nvPr>
-            <p:ph type="ctrTitle" idx="4294967295"/>
-          </p:nvPr>
-        </p:nvSpPr>
-        <p:spPr>
-          <a:xfrm>
-            <a:off x="1403648" y="1196752"/>
-            <a:ext cx="5497871" cy="1368152"/>
-          </a:xfrm>
-        </p:spPr>
-        <p:txBody>
-          <a:bodyPr>
-            <a:normAutofit fontScale="90000"/>
-          </a:bodyPr>
-          <a:lstStyle/>
-          <a:p>
-            <a:r>
-              <a:rPr lang="zh-CN" altLang="en-US" b="1" dirty="0"/>
-              <a:t>现阶段党组织活动形式</a:t>
-            </a:r>
-            <a:r>
-              <a:rPr lang="zh-CN" altLang="en-US" b="1" dirty="0" smtClean="0"/>
-              <a:t>：</a:t>
-            </a:r>
-            <a:endParaRPr lang="zh-CN" altLang="en-US" b="1" dirty="0"/>
-          </a:p>
-        </p:txBody>
-      </p:sp>
-      <p:sp>
-        <p:nvSpPr>
           <p:cNvPr id="5" name="标题 1"/>
           <p:cNvSpPr txBox="1">
             <a:spLocks/>
@@ -4762,8 +4464,8 @@
         </p:nvSpPr>
         <p:spPr>
           <a:xfrm>
-            <a:off x="395536" y="2132856"/>
-            <a:ext cx="8565909" cy="3096344"/>
+            <a:off x="251520" y="4509120"/>
+            <a:ext cx="8496944" cy="2016225"/>
           </a:xfrm>
           <a:prstGeom prst="rect">
             <a:avLst/>
@@ -4790,22 +4492,106 @@
             </a:lvl1pPr>
           </a:lstStyle>
           <a:p>
-            <a:r>
-              <a:rPr lang="zh-CN" altLang="en-US" sz="4300" b="1" dirty="0" smtClean="0"/>
-              <a:t>党员的</a:t>
-            </a:r>
-            <a:r>
-              <a:rPr lang="zh-CN" altLang="en-US" sz="4300" b="1" dirty="0" smtClean="0"/>
+            <a:endParaRPr lang="zh-CN" altLang="en-US" sz="2800" b="1" dirty="0"/>
+          </a:p>
+        </p:txBody>
+      </p:sp>
+      <p:sp>
+        <p:nvSpPr>
+          <p:cNvPr id="6" name="标题 1"/>
+          <p:cNvSpPr txBox="1">
+            <a:spLocks/>
+          </p:cNvSpPr>
+          <p:nvPr/>
+        </p:nvSpPr>
+        <p:spPr>
+          <a:xfrm>
+            <a:off x="1331640" y="1194588"/>
+            <a:ext cx="5497871" cy="1154292"/>
+          </a:xfrm>
+          <a:prstGeom prst="rect">
+            <a:avLst/>
+          </a:prstGeom>
+        </p:spPr>
+        <p:txBody>
+          <a:bodyPr vert="horz" lIns="91440" tIns="45720" rIns="91440" bIns="45720" rtlCol="0" anchor="ctr">
+            <a:normAutofit fontScale="90000"/>
+          </a:bodyPr>
+          <a:lstStyle>
+            <a:lvl1pPr algn="ctr" defTabSz="914400" rtl="0" eaLnBrk="1" latinLnBrk="0" hangingPunct="1">
+              <a:spcBef>
+                <a:spcPct val="0"/>
+              </a:spcBef>
+              <a:buNone/>
+              <a:defRPr sz="4400" kern="1200">
+                <a:solidFill>
+                  <a:schemeClr val="tx1"/>
+                </a:solidFill>
+                <a:latin typeface="+mj-lt"/>
+                <a:ea typeface="+mj-ea"/>
+                <a:cs typeface="+mj-cs"/>
+              </a:defRPr>
+            </a:lvl1pPr>
+          </a:lstStyle>
+          <a:p>
+            <a:r>
+              <a:rPr lang="zh-CN" altLang="en-US" b="1" dirty="0" smtClean="0"/>
+              <a:t>现阶段党组织活动形式：</a:t>
+            </a:r>
+            <a:endParaRPr lang="zh-CN" altLang="en-US" b="1" dirty="0"/>
+          </a:p>
+        </p:txBody>
+      </p:sp>
+      <p:sp>
+        <p:nvSpPr>
+          <p:cNvPr id="4" name="标题 1"/>
+          <p:cNvSpPr txBox="1">
+            <a:spLocks/>
+          </p:cNvSpPr>
+          <p:nvPr/>
+        </p:nvSpPr>
+        <p:spPr>
+          <a:xfrm>
+            <a:off x="611560" y="3420112"/>
+            <a:ext cx="6731224" cy="1089008"/>
+          </a:xfrm>
+          <a:prstGeom prst="rect">
+            <a:avLst/>
+          </a:prstGeom>
+        </p:spPr>
+        <p:txBody>
+          <a:bodyPr vert="horz" lIns="91440" tIns="45720" rIns="91440" bIns="45720" rtlCol="0" anchor="ctr">
+            <a:normAutofit/>
+          </a:bodyPr>
+          <a:lstStyle>
+            <a:lvl1pPr algn="ctr" defTabSz="914400" rtl="0" eaLnBrk="1" latinLnBrk="0" hangingPunct="1">
+              <a:spcBef>
+                <a:spcPct val="0"/>
+              </a:spcBef>
+              <a:buNone/>
+              <a:defRPr sz="4400" kern="1200">
+                <a:solidFill>
+                  <a:schemeClr val="tx1"/>
+                </a:solidFill>
+                <a:latin typeface="+mj-lt"/>
+                <a:ea typeface="+mj-ea"/>
+                <a:cs typeface="+mj-cs"/>
+              </a:defRPr>
+            </a:lvl1pPr>
+          </a:lstStyle>
+          <a:p>
+            <a:r>
+              <a:rPr lang="zh-CN" altLang="en-US" sz="6000" b="1" dirty="0" smtClean="0"/>
               <a:t>批评与自我批评</a:t>
             </a:r>
-            <a:endParaRPr lang="en-US" altLang="zh-CN" sz="4300" b="1" dirty="0" smtClean="0"/>
+            <a:endParaRPr lang="en-US" altLang="zh-CN" sz="6000" b="1" dirty="0" smtClean="0"/>
           </a:p>
         </p:txBody>
       </p:sp>
     </p:spTree>
     <p:extLst>
       <p:ext uri="{BB962C8B-B14F-4D97-AF65-F5344CB8AC3E}">
-        <p14:creationId xmlns:p14="http://schemas.microsoft.com/office/powerpoint/2010/main" val="3822616358"/>
+        <p14:creationId xmlns:p14="http://schemas.microsoft.com/office/powerpoint/2010/main" val="3318347639"/>
       </p:ext>
     </p:extLst>
   </p:cSld>
@@ -4849,8 +4635,8 @@
         </p:nvSpPr>
         <p:spPr>
           <a:xfrm>
-            <a:off x="1043608" y="2778899"/>
-            <a:ext cx="7704856" cy="2810342"/>
+            <a:off x="395536" y="1718590"/>
+            <a:ext cx="8565909" cy="4158682"/>
           </a:xfrm>
           <a:prstGeom prst="rect">
             <a:avLst/>
@@ -4858,7 +4644,7 @@
         </p:spPr>
         <p:txBody>
           <a:bodyPr vert="horz" lIns="91440" tIns="45720" rIns="91440" bIns="45720" rtlCol="0" anchor="ctr">
-            <a:normAutofit fontScale="70000" lnSpcReduction="20000"/>
+            <a:normAutofit fontScale="77500" lnSpcReduction="20000"/>
           </a:bodyPr>
           <a:lstStyle>
             <a:lvl1pPr algn="ctr" defTabSz="914400" rtl="0" eaLnBrk="1" latinLnBrk="0" hangingPunct="1">
@@ -4877,159 +4663,71 @@
             </a:lvl1pPr>
           </a:lstStyle>
           <a:p>
-            <a:pPr algn="l">
+            <a:pPr>
               <a:lnSpc>
-                <a:spcPct val="160000"/>
+                <a:spcPct val="170000"/>
               </a:lnSpc>
             </a:pPr>
             <a:r>
-              <a:rPr lang="zh-CN" altLang="en-US" sz="4600" b="1" dirty="0" smtClean="0"/>
-              <a:t>“</a:t>
-            </a:r>
-            <a:r>
-              <a:rPr lang="zh-CN" altLang="en-US" sz="4600" b="1" dirty="0"/>
-              <a:t>三会一课</a:t>
-            </a:r>
-            <a:r>
-              <a:rPr lang="zh-CN" altLang="en-US" sz="4600" b="1" dirty="0" smtClean="0"/>
-              <a:t>”</a:t>
-            </a:r>
-            <a:endParaRPr lang="en-US" altLang="zh-CN" sz="4600" b="1" dirty="0" smtClean="0"/>
-          </a:p>
-          <a:p>
-            <a:pPr algn="l">
+              <a:rPr lang="zh-CN" altLang="en-US" sz="5700" b="1" dirty="0" smtClean="0"/>
+              <a:t>支部生活的新形式：</a:t>
+            </a:r>
+            <a:endParaRPr lang="en-US" altLang="zh-CN" sz="5700" b="1" dirty="0" smtClean="0"/>
+          </a:p>
+          <a:p>
+            <a:pPr>
               <a:lnSpc>
-                <a:spcPct val="160000"/>
+                <a:spcPct val="170000"/>
               </a:lnSpc>
             </a:pPr>
             <a:r>
-              <a:rPr lang="zh-CN" altLang="en-US" sz="4200" dirty="0" smtClean="0"/>
-              <a:t>“三会”是</a:t>
-            </a:r>
-            <a:r>
-              <a:rPr lang="zh-CN" altLang="en-US" sz="4200" dirty="0"/>
-              <a:t>：</a:t>
-            </a:r>
-            <a:r>
-              <a:rPr lang="zh-CN" altLang="en-US" sz="4200" dirty="0" smtClean="0"/>
-              <a:t>定期</a:t>
-            </a:r>
-            <a:r>
-              <a:rPr lang="zh-CN" altLang="en-US" sz="4200" dirty="0"/>
-              <a:t>召开支部党员大会</a:t>
-            </a:r>
-            <a:r>
-              <a:rPr lang="zh-CN" altLang="en-US" sz="4200" dirty="0" smtClean="0"/>
-              <a:t>、</a:t>
-            </a:r>
-            <a:endParaRPr lang="en-US" altLang="zh-CN" sz="4200" dirty="0" smtClean="0"/>
-          </a:p>
-          <a:p>
-            <a:pPr algn="l">
+              <a:rPr lang="zh-CN" altLang="en-US" sz="4300" b="1" dirty="0" smtClean="0"/>
+              <a:t>定向越野</a:t>
+            </a:r>
+            <a:endParaRPr lang="en-US" altLang="zh-CN" sz="4300" b="1" dirty="0" smtClean="0"/>
+          </a:p>
+          <a:p>
+            <a:pPr>
               <a:lnSpc>
-                <a:spcPct val="160000"/>
+                <a:spcPct val="170000"/>
               </a:lnSpc>
             </a:pPr>
             <a:r>
-              <a:rPr lang="en-US" altLang="zh-CN" sz="4200" dirty="0"/>
-              <a:t>	</a:t>
-            </a:r>
-            <a:r>
-              <a:rPr lang="en-US" altLang="zh-CN" sz="4200" dirty="0" smtClean="0"/>
-              <a:t>	    </a:t>
-            </a:r>
-            <a:r>
-              <a:rPr lang="zh-CN" altLang="en-US" sz="4200" dirty="0" smtClean="0"/>
-              <a:t>支部</a:t>
-            </a:r>
-            <a:r>
-              <a:rPr lang="zh-CN" altLang="en-US" sz="4200" dirty="0"/>
-              <a:t>委员会、党小组</a:t>
-            </a:r>
-            <a:r>
-              <a:rPr lang="zh-CN" altLang="en-US" sz="4200" dirty="0" smtClean="0"/>
-              <a:t>会；</a:t>
-            </a:r>
-            <a:endParaRPr lang="en-US" altLang="zh-CN" sz="4200" dirty="0"/>
-          </a:p>
-          <a:p>
-            <a:pPr algn="l">
+              <a:rPr lang="zh-CN" altLang="en-US" sz="4300" b="1" dirty="0" smtClean="0"/>
+              <a:t>辩论</a:t>
+            </a:r>
+            <a:endParaRPr lang="en-US" altLang="zh-CN" sz="4300" b="1" dirty="0" smtClean="0"/>
+          </a:p>
+          <a:p>
+            <a:pPr>
               <a:lnSpc>
-                <a:spcPct val="160000"/>
+                <a:spcPct val="170000"/>
               </a:lnSpc>
             </a:pPr>
             <a:r>
-              <a:rPr lang="zh-CN" altLang="en-US" sz="4200" dirty="0" smtClean="0"/>
-              <a:t>“一课”是</a:t>
-            </a:r>
-            <a:r>
-              <a:rPr lang="zh-CN" altLang="en-US" sz="4200" dirty="0"/>
-              <a:t>：</a:t>
-            </a:r>
-            <a:r>
-              <a:rPr lang="zh-CN" altLang="en-US" sz="4200" dirty="0" smtClean="0"/>
-              <a:t>按时</a:t>
-            </a:r>
-            <a:r>
-              <a:rPr lang="zh-CN" altLang="en-US" sz="4200" dirty="0"/>
-              <a:t>上好党课。</a:t>
-            </a:r>
-          </a:p>
-          <a:p>
-            <a:endParaRPr lang="zh-CN" altLang="en-US" sz="2800" b="1" dirty="0"/>
-          </a:p>
-        </p:txBody>
-      </p:sp>
-      <p:sp>
-        <p:nvSpPr>
-          <p:cNvPr id="6" name="标题 1"/>
-          <p:cNvSpPr txBox="1">
-            <a:spLocks/>
-          </p:cNvSpPr>
-          <p:nvPr/>
-        </p:nvSpPr>
-        <p:spPr>
-          <a:xfrm>
-            <a:off x="1331640" y="1194588"/>
-            <a:ext cx="5497871" cy="1154292"/>
-          </a:xfrm>
-          <a:prstGeom prst="rect">
-            <a:avLst/>
-          </a:prstGeom>
-        </p:spPr>
-        <p:txBody>
-          <a:bodyPr vert="horz" lIns="91440" tIns="45720" rIns="91440" bIns="45720" rtlCol="0" anchor="ctr">
-            <a:normAutofit fontScale="90000"/>
-          </a:bodyPr>
-          <a:lstStyle>
-            <a:lvl1pPr algn="ctr" defTabSz="914400" rtl="0" eaLnBrk="1" latinLnBrk="0" hangingPunct="1">
-              <a:spcBef>
-                <a:spcPct val="0"/>
-              </a:spcBef>
-              <a:buNone/>
-              <a:defRPr sz="4400" kern="1200">
-                <a:solidFill>
-                  <a:schemeClr val="tx1"/>
-                </a:solidFill>
-                <a:latin typeface="+mj-lt"/>
-                <a:ea typeface="+mj-ea"/>
-                <a:cs typeface="+mj-cs"/>
-              </a:defRPr>
-            </a:lvl1pPr>
-          </a:lstStyle>
-          <a:p>
-            <a:r>
-              <a:rPr lang="zh-CN" altLang="en-US" b="1" dirty="0" smtClean="0"/>
-              <a:t>现阶段党组织活动形式：</a:t>
-            </a:r>
-            <a:endParaRPr lang="zh-CN" altLang="en-US" b="1" dirty="0"/>
+              <a:rPr lang="zh-CN" altLang="en-US" sz="4300" b="1" dirty="0" smtClean="0"/>
+              <a:t>户外活动</a:t>
+            </a:r>
+            <a:endParaRPr lang="en-US" altLang="zh-CN" sz="4300" b="1" dirty="0" smtClean="0"/>
+          </a:p>
+          <a:p>
+            <a:pPr>
+              <a:lnSpc>
+                <a:spcPct val="170000"/>
+              </a:lnSpc>
+            </a:pPr>
+            <a:r>
+              <a:rPr lang="en-US" altLang="zh-CN" sz="4300" b="1" dirty="0"/>
+              <a:t>……</a:t>
+            </a:r>
+            <a:endParaRPr lang="en-US" altLang="zh-CN" sz="4300" b="1" dirty="0" smtClean="0"/>
           </a:p>
         </p:txBody>
       </p:sp>
     </p:spTree>
     <p:extLst>
       <p:ext uri="{BB962C8B-B14F-4D97-AF65-F5344CB8AC3E}">
-        <p14:creationId xmlns:p14="http://schemas.microsoft.com/office/powerpoint/2010/main" val="2906861206"/>
+        <p14:creationId xmlns:p14="http://schemas.microsoft.com/office/powerpoint/2010/main" val="1507441894"/>
       </p:ext>
     </p:extLst>
   </p:cSld>
@@ -5103,23 +4801,7 @@
           <a:p>
             <a:r>
               <a:rPr lang="zh-CN" altLang="en-US" sz="4300" b="1" dirty="0" smtClean="0"/>
-              <a:t>党员</a:t>
-            </a:r>
-            <a:r>
-              <a:rPr lang="zh-CN" altLang="en-US" sz="4300" b="1" dirty="0" smtClean="0"/>
-              <a:t>参加组织生活</a:t>
-            </a:r>
-            <a:r>
-              <a:rPr lang="zh-CN" altLang="en-US" sz="4300" b="1" dirty="0" smtClean="0"/>
-              <a:t>的正确</a:t>
-            </a:r>
-            <a:r>
-              <a:rPr lang="zh-CN" altLang="en-US" sz="4300" b="1" dirty="0" smtClean="0"/>
-              <a:t>态度和</a:t>
-            </a:r>
-            <a:r>
-              <a:rPr lang="zh-CN" altLang="en-US" sz="4300" b="1" dirty="0" smtClean="0"/>
-              <a:t>对自身的积极影响</a:t>
+              <a:t>党员参加组织生活的正确态度和对自身的积极影响</a:t>
             </a:r>
             <a:endParaRPr lang="zh-CN" altLang="en-US" sz="4300" b="1" dirty="0"/>
           </a:p>
@@ -5129,146 +4811,6 @@
     <p:extLst>
       <p:ext uri="{BB962C8B-B14F-4D97-AF65-F5344CB8AC3E}">
         <p14:creationId xmlns:p14="http://schemas.microsoft.com/office/powerpoint/2010/main" val="1448597423"/>
-      </p:ext>
-    </p:extLst>
-  </p:cSld>
-  <p:clrMapOvr>
-    <a:masterClrMapping/>
-  </p:clrMapOvr>
-  <p:timing>
-    <p:tnLst>
-      <p:par>
-        <p:cTn id="1" dur="indefinite" restart="never" nodeType="tmRoot"/>
-      </p:par>
-    </p:tnLst>
-  </p:timing>
-</p:sld>
-</file>
-
-<file path=ppt/slides/slide13.xml><?xml version="1.0" encoding="utf-8"?>
-<p:sld xmlns:a="http://schemas.openxmlformats.org/drawingml/2006/main" xmlns:r="http://schemas.openxmlformats.org/officeDocument/2006/relationships" xmlns:p="http://schemas.openxmlformats.org/presentationml/2006/main">
-  <p:cSld>
-    <p:spTree>
-      <p:nvGrpSpPr>
-        <p:cNvPr id="1" name=""/>
-        <p:cNvGrpSpPr/>
-        <p:nvPr/>
-      </p:nvGrpSpPr>
-      <p:grpSpPr>
-        <a:xfrm>
-          <a:off x="0" y="0"/>
-          <a:ext cx="0" cy="0"/>
-          <a:chOff x="0" y="0"/>
-          <a:chExt cx="0" cy="0"/>
-        </a:xfrm>
-      </p:grpSpPr>
-      <p:sp>
-        <p:nvSpPr>
-          <p:cNvPr id="5" name="标题 1"/>
-          <p:cNvSpPr txBox="1">
-            <a:spLocks/>
-          </p:cNvSpPr>
-          <p:nvPr/>
-        </p:nvSpPr>
-        <p:spPr>
-          <a:xfrm>
-            <a:off x="395536" y="1718590"/>
-            <a:ext cx="8565909" cy="4158682"/>
-          </a:xfrm>
-          <a:prstGeom prst="rect">
-            <a:avLst/>
-          </a:prstGeom>
-        </p:spPr>
-        <p:txBody>
-          <a:bodyPr vert="horz" lIns="91440" tIns="45720" rIns="91440" bIns="45720" rtlCol="0" anchor="ctr">
-            <a:normAutofit fontScale="77500" lnSpcReduction="20000"/>
-          </a:bodyPr>
-          <a:lstStyle>
-            <a:lvl1pPr algn="ctr" defTabSz="914400" rtl="0" eaLnBrk="1" latinLnBrk="0" hangingPunct="1">
-              <a:spcBef>
-                <a:spcPct val="0"/>
-              </a:spcBef>
-              <a:buNone/>
-              <a:defRPr sz="4400" kern="1200">
-                <a:solidFill>
-                  <a:schemeClr val="tx1"/>
-                </a:solidFill>
-                <a:latin typeface="+mj-lt"/>
-                <a:ea typeface="+mj-ea"/>
-                <a:cs typeface="+mj-cs"/>
-              </a:defRPr>
-            </a:lvl1pPr>
-          </a:lstStyle>
-          <a:p>
-            <a:pPr>
-              <a:lnSpc>
-                <a:spcPct val="170000"/>
-              </a:lnSpc>
-            </a:pPr>
-            <a:r>
-              <a:rPr lang="zh-CN" altLang="en-US" sz="5700" b="1" dirty="0" smtClean="0"/>
-              <a:t>支部生活的新</a:t>
-            </a:r>
-            <a:r>
-              <a:rPr lang="zh-CN" altLang="en-US" sz="5700" b="1" dirty="0" smtClean="0"/>
-              <a:t>形式：</a:t>
-            </a:r>
-            <a:endParaRPr lang="en-US" altLang="zh-CN" sz="5700" b="1" dirty="0" smtClean="0"/>
-          </a:p>
-          <a:p>
-            <a:pPr>
-              <a:lnSpc>
-                <a:spcPct val="170000"/>
-              </a:lnSpc>
-            </a:pPr>
-            <a:r>
-              <a:rPr lang="zh-CN" altLang="en-US" sz="4300" b="1" dirty="0" smtClean="0"/>
-              <a:t>定向越野</a:t>
-            </a:r>
-            <a:endParaRPr lang="en-US" altLang="zh-CN" sz="4300" b="1" dirty="0" smtClean="0"/>
-          </a:p>
-          <a:p>
-            <a:pPr>
-              <a:lnSpc>
-                <a:spcPct val="170000"/>
-              </a:lnSpc>
-            </a:pPr>
-            <a:r>
-              <a:rPr lang="zh-CN" altLang="en-US" sz="4300" b="1" dirty="0" smtClean="0"/>
-              <a:t>辩论</a:t>
-            </a:r>
-            <a:endParaRPr lang="en-US" altLang="zh-CN" sz="4300" b="1" dirty="0" smtClean="0"/>
-          </a:p>
-          <a:p>
-            <a:pPr>
-              <a:lnSpc>
-                <a:spcPct val="170000"/>
-              </a:lnSpc>
-            </a:pPr>
-            <a:r>
-              <a:rPr lang="zh-CN" altLang="en-US" sz="4300" b="1" dirty="0" smtClean="0"/>
-              <a:t>户外活动</a:t>
-            </a:r>
-            <a:endParaRPr lang="en-US" altLang="zh-CN" sz="4300" b="1" dirty="0" smtClean="0"/>
-          </a:p>
-          <a:p>
-            <a:pPr>
-              <a:lnSpc>
-                <a:spcPct val="170000"/>
-              </a:lnSpc>
-            </a:pPr>
-            <a:r>
-              <a:rPr lang="en-US" altLang="zh-CN" sz="4300" b="1" dirty="0"/>
-              <a:t>……</a:t>
-            </a:r>
-            <a:endParaRPr lang="en-US" altLang="zh-CN" sz="4300" b="1" dirty="0" smtClean="0"/>
-          </a:p>
-        </p:txBody>
-      </p:sp>
-    </p:spTree>
-    <p:extLst>
-      <p:ext uri="{BB962C8B-B14F-4D97-AF65-F5344CB8AC3E}">
-        <p14:creationId xmlns:p14="http://schemas.microsoft.com/office/powerpoint/2010/main" val="1507441894"/>
       </p:ext>
     </p:extLst>
   </p:cSld>
@@ -5529,11 +5071,7 @@
             </a:pPr>
             <a:r>
               <a:rPr lang="zh-CN" altLang="en-US" sz="2200" dirty="0" smtClean="0"/>
-              <a:t>一是对违反党章、损害党章权威的违纪行为缺乏必要和严肃的责任</a:t>
-            </a:r>
-            <a:r>
-              <a:rPr lang="zh-CN" altLang="en-US" sz="2200" dirty="0" smtClean="0"/>
-              <a:t>追究。</a:t>
+              <a:t>一是对违反党章、损害党章权威的违纪行为缺乏必要和严肃的责任追究。</a:t>
             </a:r>
             <a:endParaRPr lang="en-US" altLang="zh-CN" sz="2200" dirty="0" smtClean="0"/>
           </a:p>
@@ -6305,11 +5843,7 @@
             </a:pPr>
             <a:r>
               <a:rPr lang="zh-CN" altLang="en-US" sz="4100" dirty="0" smtClean="0"/>
-              <a:t>六大纪律</a:t>
-            </a:r>
-            <a:r>
-              <a:rPr lang="zh-CN" altLang="en-US" sz="4100" dirty="0" smtClean="0"/>
-              <a:t>：</a:t>
+              <a:t>六大纪律：</a:t>
             </a:r>
             <a:endParaRPr lang="en-US" altLang="zh-CN" sz="4100" dirty="0" smtClean="0"/>
           </a:p>
@@ -6438,36 +5972,6 @@
       </p:grpSpPr>
       <p:sp>
         <p:nvSpPr>
-          <p:cNvPr id="2" name="标题 1"/>
-          <p:cNvSpPr>
-            <a:spLocks noGrp="1"/>
-          </p:cNvSpPr>
-          <p:nvPr>
-            <p:ph type="ctrTitle" idx="4294967295"/>
-          </p:nvPr>
-        </p:nvSpPr>
-        <p:spPr>
-          <a:xfrm>
-            <a:off x="1547664" y="980728"/>
-            <a:ext cx="5497871" cy="1368152"/>
-          </a:xfrm>
-        </p:spPr>
-        <p:txBody>
-          <a:bodyPr>
-            <a:normAutofit fontScale="90000"/>
-          </a:bodyPr>
-          <a:lstStyle/>
-          <a:p>
-            <a:r>
-              <a:rPr lang="zh-CN" altLang="en-US" b="1" dirty="0" smtClean="0"/>
-              <a:t>现阶段党组织活动形式：</a:t>
-            </a:r>
-            <a:endParaRPr lang="zh-CN" altLang="en-US" b="1" dirty="0"/>
-          </a:p>
-        </p:txBody>
-      </p:sp>
-      <p:sp>
-        <p:nvSpPr>
           <p:cNvPr id="5" name="标题 1"/>
           <p:cNvSpPr txBox="1">
             <a:spLocks/>
@@ -6476,8 +5980,8 @@
         </p:nvSpPr>
         <p:spPr>
           <a:xfrm>
-            <a:off x="361056" y="2492896"/>
-            <a:ext cx="8565909" cy="2520280"/>
+            <a:off x="251520" y="4509120"/>
+            <a:ext cx="8496944" cy="2016225"/>
           </a:xfrm>
           <a:prstGeom prst="rect">
             <a:avLst/>
@@ -6504,18 +6008,191 @@
             </a:lvl1pPr>
           </a:lstStyle>
           <a:p>
-            <a:r>
-              <a:rPr lang="zh-CN" altLang="en-US" sz="6000" b="1" dirty="0" smtClean="0"/>
+            <a:pPr algn="l">
+              <a:lnSpc>
+                <a:spcPct val="160000"/>
+              </a:lnSpc>
+            </a:pPr>
+            <a:r>
+              <a:rPr lang="zh-CN" altLang="en-US" sz="3000" b="1" dirty="0" smtClean="0"/>
+              <a:t>“</a:t>
+            </a:r>
+            <a:r>
+              <a:rPr lang="zh-CN" altLang="en-US" sz="3000" b="1" dirty="0"/>
+              <a:t>三会一课</a:t>
+            </a:r>
+            <a:r>
+              <a:rPr lang="zh-CN" altLang="en-US" sz="3000" b="1" dirty="0" smtClean="0"/>
+              <a:t>”：</a:t>
+            </a:r>
+            <a:r>
+              <a:rPr lang="en-US" altLang="zh-CN" sz="3000" b="1" dirty="0" smtClean="0"/>
+              <a:t> </a:t>
+            </a:r>
+            <a:r>
+              <a:rPr lang="zh-CN" altLang="en-US" sz="3000" dirty="0" smtClean="0"/>
+              <a:t>支部</a:t>
+            </a:r>
+            <a:r>
+              <a:rPr lang="zh-CN" altLang="en-US" sz="3000" dirty="0"/>
+              <a:t>党员大会</a:t>
+            </a:r>
+            <a:r>
+              <a:rPr lang="zh-CN" altLang="en-US" sz="3000" dirty="0" smtClean="0"/>
+              <a:t>、支部</a:t>
+            </a:r>
+            <a:r>
+              <a:rPr lang="zh-CN" altLang="en-US" sz="3000" dirty="0"/>
+              <a:t>委员会、党小组</a:t>
+            </a:r>
+            <a:r>
+              <a:rPr lang="zh-CN" altLang="en-US" sz="3000" dirty="0" smtClean="0"/>
+              <a:t>会</a:t>
+            </a:r>
+            <a:r>
+              <a:rPr lang="zh-CN" altLang="en-US" sz="3000" dirty="0" smtClean="0"/>
+              <a:t>，每月</a:t>
+            </a:r>
+            <a:r>
+              <a:rPr lang="zh-CN" altLang="en-US" sz="3000" dirty="0" smtClean="0"/>
+              <a:t>党课</a:t>
+            </a:r>
+            <a:r>
+              <a:rPr lang="zh-CN" altLang="en-US" sz="3000" dirty="0"/>
+              <a:t>。</a:t>
+            </a:r>
+          </a:p>
+          <a:p>
+            <a:endParaRPr lang="zh-CN" altLang="en-US" sz="2800" b="1" dirty="0"/>
+          </a:p>
+        </p:txBody>
+      </p:sp>
+      <p:sp>
+        <p:nvSpPr>
+          <p:cNvPr id="6" name="标题 1"/>
+          <p:cNvSpPr txBox="1">
+            <a:spLocks/>
+          </p:cNvSpPr>
+          <p:nvPr/>
+        </p:nvSpPr>
+        <p:spPr>
+          <a:xfrm>
+            <a:off x="1331640" y="1194588"/>
+            <a:ext cx="5497871" cy="1154292"/>
+          </a:xfrm>
+          <a:prstGeom prst="rect">
+            <a:avLst/>
+          </a:prstGeom>
+        </p:spPr>
+        <p:txBody>
+          <a:bodyPr vert="horz" lIns="91440" tIns="45720" rIns="91440" bIns="45720" rtlCol="0" anchor="ctr">
+            <a:normAutofit fontScale="90000"/>
+          </a:bodyPr>
+          <a:lstStyle>
+            <a:lvl1pPr algn="ctr" defTabSz="914400" rtl="0" eaLnBrk="1" latinLnBrk="0" hangingPunct="1">
+              <a:spcBef>
+                <a:spcPct val="0"/>
+              </a:spcBef>
+              <a:buNone/>
+              <a:defRPr sz="4400" kern="1200">
+                <a:solidFill>
+                  <a:schemeClr val="tx1"/>
+                </a:solidFill>
+                <a:latin typeface="+mj-lt"/>
+                <a:ea typeface="+mj-ea"/>
+                <a:cs typeface="+mj-cs"/>
+              </a:defRPr>
+            </a:lvl1pPr>
+          </a:lstStyle>
+          <a:p>
+            <a:r>
+              <a:rPr lang="zh-CN" altLang="en-US" b="1" dirty="0" smtClean="0"/>
+              <a:t>现阶段党组织活动形式：</a:t>
+            </a:r>
+            <a:endParaRPr lang="zh-CN" altLang="en-US" b="1" dirty="0"/>
+          </a:p>
+        </p:txBody>
+      </p:sp>
+      <p:sp>
+        <p:nvSpPr>
+          <p:cNvPr id="4" name="标题 1"/>
+          <p:cNvSpPr txBox="1">
+            <a:spLocks/>
+          </p:cNvSpPr>
+          <p:nvPr/>
+        </p:nvSpPr>
+        <p:spPr>
+          <a:xfrm>
+            <a:off x="361056" y="2483428"/>
+            <a:ext cx="6731224" cy="1089008"/>
+          </a:xfrm>
+          <a:prstGeom prst="rect">
+            <a:avLst/>
+          </a:prstGeom>
+        </p:spPr>
+        <p:txBody>
+          <a:bodyPr vert="horz" lIns="91440" tIns="45720" rIns="91440" bIns="45720" rtlCol="0" anchor="ctr">
+            <a:normAutofit/>
+          </a:bodyPr>
+          <a:lstStyle>
+            <a:lvl1pPr algn="ctr" defTabSz="914400" rtl="0" eaLnBrk="1" latinLnBrk="0" hangingPunct="1">
+              <a:spcBef>
+                <a:spcPct val="0"/>
+              </a:spcBef>
+              <a:buNone/>
+              <a:defRPr sz="4400" kern="1200">
+                <a:solidFill>
+                  <a:schemeClr val="tx1"/>
+                </a:solidFill>
+                <a:latin typeface="+mj-lt"/>
+                <a:ea typeface="+mj-ea"/>
+                <a:cs typeface="+mj-cs"/>
+              </a:defRPr>
+            </a:lvl1pPr>
+          </a:lstStyle>
+          <a:p>
+            <a:pPr algn="l"/>
+            <a:r>
+              <a:rPr lang="zh-CN" altLang="en-US" sz="3600" b="1" dirty="0" smtClean="0"/>
               <a:t>选举</a:t>
             </a:r>
-            <a:endParaRPr lang="en-US" altLang="zh-CN" sz="6000" b="1" dirty="0" smtClean="0"/>
+            <a:endParaRPr lang="en-US" altLang="zh-CN" sz="3600" b="1" dirty="0" smtClean="0"/>
+          </a:p>
+        </p:txBody>
+      </p:sp>
+      <p:sp>
+        <p:nvSpPr>
+          <p:cNvPr id="2" name="矩形 1"/>
+          <p:cNvSpPr/>
+          <p:nvPr/>
+        </p:nvSpPr>
+        <p:spPr>
+          <a:xfrm>
+            <a:off x="352656" y="3748390"/>
+            <a:ext cx="4795408" cy="584775"/>
+          </a:xfrm>
+          <a:prstGeom prst="rect">
+            <a:avLst/>
+          </a:prstGeom>
+        </p:spPr>
+        <p:txBody>
+          <a:bodyPr wrap="square">
+            <a:spAutoFit/>
+          </a:bodyPr>
+          <a:lstStyle/>
+          <a:p>
+            <a:r>
+              <a:rPr lang="zh-CN" altLang="en-US" sz="3200" b="1" dirty="0"/>
+              <a:t>上级党组织的集体活动</a:t>
+            </a:r>
+            <a:endParaRPr lang="zh-CN" altLang="en-US" sz="3200" b="1" dirty="0"/>
           </a:p>
         </p:txBody>
       </p:sp>
     </p:spTree>
     <p:extLst>
       <p:ext uri="{BB962C8B-B14F-4D97-AF65-F5344CB8AC3E}">
-        <p14:creationId xmlns:p14="http://schemas.microsoft.com/office/powerpoint/2010/main" val="2290673116"/>
+        <p14:creationId xmlns:p14="http://schemas.microsoft.com/office/powerpoint/2010/main" val="2906861206"/>
       </p:ext>
     </p:extLst>
   </p:cSld>
@@ -6551,40 +6228,6 @@
       </p:grpSpPr>
       <p:sp>
         <p:nvSpPr>
-          <p:cNvPr id="2" name="标题 1"/>
-          <p:cNvSpPr>
-            <a:spLocks noGrp="1"/>
-          </p:cNvSpPr>
-          <p:nvPr>
-            <p:ph type="ctrTitle" idx="4294967295"/>
-          </p:nvPr>
-        </p:nvSpPr>
-        <p:spPr>
-          <a:xfrm>
-            <a:off x="1547664" y="1196752"/>
-            <a:ext cx="5497871" cy="1368152"/>
-          </a:xfrm>
-        </p:spPr>
-        <p:txBody>
-          <a:bodyPr>
-            <a:normAutofit fontScale="90000"/>
-          </a:bodyPr>
-          <a:lstStyle/>
-          <a:p>
-            <a:r>
-              <a:rPr lang="zh-CN" altLang="en-US" b="1" dirty="0"/>
-              <a:t>现阶段党组织活动形式</a:t>
-            </a:r>
-            <a:r>
-              <a:rPr lang="zh-CN" altLang="en-US" b="1" dirty="0" smtClean="0"/>
-              <a:t>：</a:t>
-            </a:r>
-            <a:endParaRPr lang="zh-CN" altLang="en-US" b="1" dirty="0"/>
-          </a:p>
-        </p:txBody>
-      </p:sp>
-      <p:sp>
-        <p:nvSpPr>
           <p:cNvPr id="5" name="标题 1"/>
           <p:cNvSpPr txBox="1">
             <a:spLocks/>
@@ -6593,8 +6236,8 @@
         </p:nvSpPr>
         <p:spPr>
           <a:xfrm>
-            <a:off x="1198307" y="3068960"/>
-            <a:ext cx="6984773" cy="1368152"/>
+            <a:off x="251520" y="1772816"/>
+            <a:ext cx="8640960" cy="4824536"/>
           </a:xfrm>
           <a:prstGeom prst="rect">
             <a:avLst/>
@@ -6602,7 +6245,7 @@
         </p:spPr>
         <p:txBody>
           <a:bodyPr vert="horz" lIns="91440" tIns="45720" rIns="91440" bIns="45720" rtlCol="0" anchor="ctr">
-            <a:normAutofit fontScale="85000" lnSpcReduction="10000"/>
+            <a:normAutofit fontScale="32500" lnSpcReduction="20000"/>
           </a:bodyPr>
           <a:lstStyle>
             <a:lvl1pPr algn="ctr" defTabSz="914400" rtl="0" eaLnBrk="1" latinLnBrk="0" hangingPunct="1">
@@ -6621,18 +6264,147 @@
             </a:lvl1pPr>
           </a:lstStyle>
           <a:p>
-            <a:r>
-              <a:rPr lang="zh-CN" altLang="en-US" sz="6000" b="1" dirty="0" smtClean="0"/>
-              <a:t>上级党组织的集体活动</a:t>
+            <a:pPr algn="l">
+              <a:lnSpc>
+                <a:spcPct val="160000"/>
+              </a:lnSpc>
+            </a:pPr>
+            <a:r>
+              <a:rPr lang="zh-CN" altLang="en-US" sz="4600" b="1" dirty="0"/>
+              <a:t>（一）参加党的有关会议，阅读党的有关文件，接受党的教育和培训。</a:t>
+            </a:r>
+          </a:p>
+          <a:p>
+            <a:pPr algn="l">
+              <a:lnSpc>
+                <a:spcPct val="160000"/>
+              </a:lnSpc>
+            </a:pPr>
+            <a:r>
+              <a:rPr lang="zh-CN" altLang="en-US" sz="4600" b="1" dirty="0"/>
+              <a:t>（二）在党的会议上和党报党刊上，参加关于党的政策问题的讨论。</a:t>
+            </a:r>
+          </a:p>
+          <a:p>
+            <a:pPr algn="l">
+              <a:lnSpc>
+                <a:spcPct val="160000"/>
+              </a:lnSpc>
+            </a:pPr>
+            <a:r>
+              <a:rPr lang="zh-CN" altLang="en-US" sz="4600" b="1" dirty="0"/>
+              <a:t>（三）对党的工作提出建议和倡议。</a:t>
+            </a:r>
+          </a:p>
+          <a:p>
+            <a:pPr algn="l">
+              <a:lnSpc>
+                <a:spcPct val="160000"/>
+              </a:lnSpc>
+            </a:pPr>
+            <a:r>
+              <a:rPr lang="zh-CN" altLang="en-US" sz="4600" b="1" dirty="0"/>
+              <a:t>（四）在党的会议上有根据地批评党的任何组织和任何党员，向党负责地揭发、检举党的任何组织和任何党员违法乱纪的事实，要求处分违法乱纪的党员，要求罢免和撤换不称职的干部。</a:t>
+            </a:r>
+          </a:p>
+          <a:p>
+            <a:pPr algn="l">
+              <a:lnSpc>
+                <a:spcPct val="160000"/>
+              </a:lnSpc>
+            </a:pPr>
+            <a:r>
+              <a:rPr lang="zh-CN" altLang="en-US" sz="4600" b="1" dirty="0"/>
+              <a:t>（五）行使表决权、选举权，有被选举权。</a:t>
+            </a:r>
+          </a:p>
+          <a:p>
+            <a:pPr algn="l">
+              <a:lnSpc>
+                <a:spcPct val="160000"/>
+              </a:lnSpc>
+            </a:pPr>
+            <a:r>
+              <a:rPr lang="zh-CN" altLang="en-US" sz="4600" b="1" dirty="0"/>
+              <a:t>（六）在党组织讨论决定对党员的党纪处分或作出鉴定时，本人有权参加和进行申辩，其他党员可以为他作证和辩护。</a:t>
+            </a:r>
+          </a:p>
+          <a:p>
+            <a:pPr algn="l">
+              <a:lnSpc>
+                <a:spcPct val="160000"/>
+              </a:lnSpc>
+            </a:pPr>
+            <a:r>
+              <a:rPr lang="zh-CN" altLang="en-US" sz="4600" b="1" dirty="0"/>
+              <a:t>（七）对党的决议和政策如有不同意见，在坚决执行的前提下，可以声明保留，并且可以把自己的意见向党的上级组织直至中央提出。</a:t>
+            </a:r>
+          </a:p>
+          <a:p>
+            <a:pPr algn="dist">
+              <a:lnSpc>
+                <a:spcPct val="220000"/>
+              </a:lnSpc>
+            </a:pPr>
+            <a:r>
+              <a:rPr lang="zh-CN" altLang="en-US" sz="4600" b="1" dirty="0"/>
+              <a:t>（八）向党的上级组织直至中央提出请求、申诉和控告，并要求有关组织给以负责的答复</a:t>
             </a:r>
             <a:endParaRPr lang="zh-CN" altLang="en-US" sz="2800" b="1" dirty="0"/>
+          </a:p>
+        </p:txBody>
+      </p:sp>
+      <p:sp>
+        <p:nvSpPr>
+          <p:cNvPr id="6" name="标题 1"/>
+          <p:cNvSpPr txBox="1">
+            <a:spLocks/>
+          </p:cNvSpPr>
+          <p:nvPr/>
+        </p:nvSpPr>
+        <p:spPr>
+          <a:xfrm>
+            <a:off x="251520" y="836712"/>
+            <a:ext cx="5929919" cy="1154292"/>
+          </a:xfrm>
+          <a:prstGeom prst="rect">
+            <a:avLst/>
+          </a:prstGeom>
+        </p:spPr>
+        <p:txBody>
+          <a:bodyPr vert="horz" lIns="91440" tIns="45720" rIns="91440" bIns="45720" rtlCol="0" anchor="ctr">
+            <a:normAutofit fontScale="97500"/>
+          </a:bodyPr>
+          <a:lstStyle>
+            <a:lvl1pPr algn="ctr" defTabSz="914400" rtl="0" eaLnBrk="1" latinLnBrk="0" hangingPunct="1">
+              <a:spcBef>
+                <a:spcPct val="0"/>
+              </a:spcBef>
+              <a:buNone/>
+              <a:defRPr sz="4400" kern="1200">
+                <a:solidFill>
+                  <a:schemeClr val="tx1"/>
+                </a:solidFill>
+                <a:latin typeface="+mj-lt"/>
+                <a:ea typeface="+mj-ea"/>
+                <a:cs typeface="+mj-cs"/>
+              </a:defRPr>
+            </a:lvl1pPr>
+          </a:lstStyle>
+          <a:p>
+            <a:pPr algn="l"/>
+            <a:r>
+              <a:rPr lang="zh-CN" altLang="en-US" b="1" dirty="0" smtClean="0"/>
+              <a:t>八项权利：</a:t>
+            </a:r>
+            <a:endParaRPr lang="zh-CN" altLang="en-US" b="1" dirty="0"/>
           </a:p>
         </p:txBody>
       </p:sp>
     </p:spTree>
     <p:extLst>
       <p:ext uri="{BB962C8B-B14F-4D97-AF65-F5344CB8AC3E}">
-        <p14:creationId xmlns:p14="http://schemas.microsoft.com/office/powerpoint/2010/main" val="1576183686"/>
+        <p14:creationId xmlns:p14="http://schemas.microsoft.com/office/powerpoint/2010/main" val="481260277"/>
       </p:ext>
     </p:extLst>
   </p:cSld>
@@ -6657,7 +6429,7 @@
         <a:sysClr val="windowText" lastClr="000000"/>
       </a:dk1>
       <a:lt1>
-        <a:sysClr val="window" lastClr="FFFFFF"/>
+        <a:sysClr val="window" lastClr="CCE8CF"/>
       </a:lt1>
       <a:dk2>
         <a:srgbClr val="1F497D"/>
@@ -6942,7 +6714,7 @@
         <a:sysClr val="windowText" lastClr="000000"/>
       </a:dk1>
       <a:lt1>
-        <a:sysClr val="window" lastClr="FFFFFF"/>
+        <a:sysClr val="window" lastClr="CCE8CF"/>
       </a:lt1>
       <a:dk2>
         <a:srgbClr val="1F497D"/>
@@ -7217,4 +6989,265 @@
   <a:objectDefaults/>
   <a:extraClrSchemeLst/>
 </a:theme>
+</file>
+
+<file path=ppt/theme/theme3.xml><?xml version="1.0" encoding="utf-8"?>
+<a:theme xmlns:a="http://schemas.openxmlformats.org/drawingml/2006/main" name="Office 主题">
+  <a:themeElements>
+    <a:clrScheme name="Office">
+      <a:dk1>
+        <a:sysClr val="windowText" lastClr="000000"/>
+      </a:dk1>
+      <a:lt1>
+        <a:sysClr val="window" lastClr="CCE8CF"/>
+      </a:lt1>
+      <a:dk2>
+        <a:srgbClr val="44546A"/>
+      </a:dk2>
+      <a:lt2>
+        <a:srgbClr val="E7E6E6"/>
+      </a:lt2>
+      <a:accent1>
+        <a:srgbClr val="5B9BD5"/>
+      </a:accent1>
+      <a:accent2>
+        <a:srgbClr val="ED7D31"/>
+      </a:accent2>
+      <a:accent3>
+        <a:srgbClr val="A5A5A5"/>
+      </a:accent3>
+      <a:accent4>
+        <a:srgbClr val="FFC000"/>
+      </a:accent4>
+      <a:accent5>
+        <a:srgbClr val="4472C4"/>
+      </a:accent5>
+      <a:accent6>
+        <a:srgbClr val="70AD47"/>
+      </a:accent6>
+      <a:hlink>
+        <a:srgbClr val="0563C1"/>
+      </a:hlink>
+      <a:folHlink>
+        <a:srgbClr val="954F72"/>
+      </a:folHlink>
+    </a:clrScheme>
+    <a:fontScheme name="Office">
+      <a:majorFont>
+        <a:latin typeface="Calibri Light" panose="020F0302020204030204"/>
+        <a:ea typeface=""/>
+        <a:cs typeface=""/>
+        <a:font script="Jpan" typeface="ＭＳ Ｐゴシック"/>
+        <a:font script="Hang" typeface="맑은 고딕"/>
+        <a:font script="Hans" typeface="宋体"/>
+        <a:font script="Hant" typeface="新細明體"/>
+        <a:font script="Arab" typeface="Times New Roman"/>
+        <a:font script="Hebr" typeface="Times New Roman"/>
+        <a:font script="Thai" typeface="Angsana New"/>
+        <a:font script="Ethi" typeface="Nyala"/>
+        <a:font script="Beng" typeface="Vrinda"/>
+        <a:font script="Gujr" typeface="Shruti"/>
+        <a:font script="Khmr" typeface="MoolBoran"/>
+        <a:font script="Knda" typeface="Tunga"/>
+        <a:font script="Guru" typeface="Raavi"/>
+        <a:font script="Cans" typeface="Euphemia"/>
+        <a:font script="Cher" typeface="Plantagenet Cherokee"/>
+        <a:font script="Yiii" typeface="Microsoft Yi Baiti"/>
+        <a:font script="Tibt" typeface="Microsoft Himalaya"/>
+        <a:font script="Thaa" typeface="MV Boli"/>
+        <a:font script="Deva" typeface="Mangal"/>
+        <a:font script="Telu" typeface="Gautami"/>
+        <a:font script="Taml" typeface="Latha"/>
+        <a:font script="Syrc" typeface="Estrangelo Edessa"/>
+        <a:font script="Orya" typeface="Kalinga"/>
+        <a:font script="Mlym" typeface="Kartika"/>
+        <a:font script="Laoo" typeface="DokChampa"/>
+        <a:font script="Sinh" typeface="Iskoola Pota"/>
+        <a:font script="Mong" typeface="Mongolian Baiti"/>
+        <a:font script="Viet" typeface="Times New Roman"/>
+        <a:font script="Uigh" typeface="Microsoft Uighur"/>
+        <a:font script="Geor" typeface="Sylfaen"/>
+      </a:majorFont>
+      <a:minorFont>
+        <a:latin typeface="Calibri" panose="020F0502020204030204"/>
+        <a:ea typeface=""/>
+        <a:cs typeface=""/>
+        <a:font script="Jpan" typeface="ＭＳ Ｐゴシック"/>
+        <a:font script="Hang" typeface="맑은 고딕"/>
+        <a:font script="Hans" typeface="宋体"/>
+        <a:font script="Hant" typeface="新細明體"/>
+        <a:font script="Arab" typeface="Arial"/>
+        <a:font script="Hebr" typeface="Arial"/>
+        <a:font script="Thai" typeface="Cordia New"/>
+        <a:font script="Ethi" typeface="Nyala"/>
+        <a:font script="Beng" typeface="Vrinda"/>
+        <a:font script="Gujr" typeface="Shruti"/>
+        <a:font script="Khmr" typeface="DaunPenh"/>
+        <a:font script="Knda" typeface="Tunga"/>
+        <a:font script="Guru" typeface="Raavi"/>
+        <a:font script="Cans" typeface="Euphemia"/>
+        <a:font script="Cher" typeface="Plantagenet Cherokee"/>
+        <a:font script="Yiii" typeface="Microsoft Yi Baiti"/>
+        <a:font script="Tibt" typeface="Microsoft Himalaya"/>
+        <a:font script="Thaa" typeface="MV Boli"/>
+        <a:font script="Deva" typeface="Mangal"/>
+        <a:font script="Telu" typeface="Gautami"/>
+        <a:font script="Taml" typeface="Latha"/>
+        <a:font script="Syrc" typeface="Estrangelo Edessa"/>
+        <a:font script="Orya" typeface="Kalinga"/>
+        <a:font script="Mlym" typeface="Kartika"/>
+        <a:font script="Laoo" typeface="DokChampa"/>
+        <a:font script="Sinh" typeface="Iskoola Pota"/>
+        <a:font script="Mong" typeface="Mongolian Baiti"/>
+        <a:font script="Viet" typeface="Arial"/>
+        <a:font script="Uigh" typeface="Microsoft Uighur"/>
+        <a:font script="Geor" typeface="Sylfaen"/>
+      </a:minorFont>
+    </a:fontScheme>
+    <a:fmtScheme name="Office">
+      <a:fillStyleLst>
+        <a:solidFill>
+          <a:schemeClr val="phClr"/>
+        </a:solidFill>
+        <a:gradFill rotWithShape="1">
+          <a:gsLst>
+            <a:gs pos="0">
+              <a:schemeClr val="phClr">
+                <a:lumMod val="110000"/>
+                <a:satMod val="105000"/>
+                <a:tint val="67000"/>
+              </a:schemeClr>
+            </a:gs>
+            <a:gs pos="50000">
+              <a:schemeClr val="phClr">
+                <a:lumMod val="105000"/>
+                <a:satMod val="103000"/>
+                <a:tint val="73000"/>
+              </a:schemeClr>
+            </a:gs>
+            <a:gs pos="100000">
+              <a:schemeClr val="phClr">
+                <a:lumMod val="105000"/>
+                <a:satMod val="109000"/>
+                <a:tint val="81000"/>
+              </a:schemeClr>
+            </a:gs>
+          </a:gsLst>
+          <a:lin ang="5400000" scaled="0"/>
+        </a:gradFill>
+        <a:gradFill rotWithShape="1">
+          <a:gsLst>
+            <a:gs pos="0">
+              <a:schemeClr val="phClr">
+                <a:satMod val="103000"/>
+                <a:lumMod val="102000"/>
+                <a:tint val="94000"/>
+              </a:schemeClr>
+            </a:gs>
+            <a:gs pos="50000">
+              <a:schemeClr val="phClr">
+                <a:satMod val="110000"/>
+                <a:lumMod val="100000"/>
+                <a:shade val="100000"/>
+              </a:schemeClr>
+            </a:gs>
+            <a:gs pos="100000">
+              <a:schemeClr val="phClr">
+                <a:lumMod val="99000"/>
+                <a:satMod val="120000"/>
+                <a:shade val="78000"/>
+              </a:schemeClr>
+            </a:gs>
+          </a:gsLst>
+          <a:lin ang="5400000" scaled="0"/>
+        </a:gradFill>
+      </a:fillStyleLst>
+      <a:lnStyleLst>
+        <a:ln w="6350" cap="flat" cmpd="sng" algn="ctr">
+          <a:solidFill>
+            <a:schemeClr val="phClr"/>
+          </a:solidFill>
+          <a:prstDash val="solid"/>
+          <a:miter lim="800000"/>
+        </a:ln>
+        <a:ln w="12700" cap="flat" cmpd="sng" algn="ctr">
+          <a:solidFill>
+            <a:schemeClr val="phClr"/>
+          </a:solidFill>
+          <a:prstDash val="solid"/>
+          <a:miter lim="800000"/>
+        </a:ln>
+        <a:ln w="19050" cap="flat" cmpd="sng" algn="ctr">
+          <a:solidFill>
+            <a:schemeClr val="phClr"/>
+          </a:solidFill>
+          <a:prstDash val="solid"/>
+          <a:miter lim="800000"/>
+        </a:ln>
+      </a:lnStyleLst>
+      <a:effectStyleLst>
+        <a:effectStyle>
+          <a:effectLst/>
+        </a:effectStyle>
+        <a:effectStyle>
+          <a:effectLst/>
+        </a:effectStyle>
+        <a:effectStyle>
+          <a:effectLst>
+            <a:outerShdw blurRad="57150" dist="19050" dir="5400000" algn="ctr" rotWithShape="0">
+              <a:srgbClr val="000000">
+                <a:alpha val="63000"/>
+              </a:srgbClr>
+            </a:outerShdw>
+          </a:effectLst>
+        </a:effectStyle>
+      </a:effectStyleLst>
+      <a:bgFillStyleLst>
+        <a:solidFill>
+          <a:schemeClr val="phClr"/>
+        </a:solidFill>
+        <a:solidFill>
+          <a:schemeClr val="phClr">
+            <a:tint val="95000"/>
+            <a:satMod val="170000"/>
+          </a:schemeClr>
+        </a:solidFill>
+        <a:gradFill rotWithShape="1">
+          <a:gsLst>
+            <a:gs pos="0">
+              <a:schemeClr val="phClr">
+                <a:tint val="93000"/>
+                <a:satMod val="150000"/>
+                <a:shade val="98000"/>
+                <a:lumMod val="102000"/>
+              </a:schemeClr>
+            </a:gs>
+            <a:gs pos="50000">
+              <a:schemeClr val="phClr">
+                <a:tint val="98000"/>
+                <a:satMod val="130000"/>
+                <a:shade val="90000"/>
+                <a:lumMod val="103000"/>
+              </a:schemeClr>
+            </a:gs>
+            <a:gs pos="100000">
+              <a:schemeClr val="phClr">
+                <a:shade val="63000"/>
+                <a:satMod val="120000"/>
+              </a:schemeClr>
+            </a:gs>
+          </a:gsLst>
+          <a:lin ang="5400000" scaled="0"/>
+        </a:gradFill>
+      </a:bgFillStyleLst>
+    </a:fmtScheme>
+  </a:themeElements>
+  <a:objectDefaults/>
+  <a:extraClrSchemeLst/>
+  <a:extLst>
+    <a:ext uri="{05A4C25C-085E-4340-85A3-A5531E510DB2}">
+      <thm15:themeFamily xmlns:thm15="http://schemas.microsoft.com/office/thememl/2012/main" name="Office Theme" id="{62F939B6-93AF-4DB8-9C6B-D6C7DFDC589F}" vid="{4A3C46E8-61CC-4603-A589-7422A47A8E4A}"/>
+    </a:ext>
+  </a:extLst>
+</a:theme>
 </file>